--- a/FinalTask_BankMuamalat_BI Analyst_Disya Nurul Ariza.pptx
+++ b/FinalTask_BankMuamalat_BI Analyst_Disya Nurul Ariza.pptx
@@ -7771,7 +7771,7 @@
         </p:nvSpPr>
         <p:spPr>
           <a:xfrm>
-            <a:off x="340500" y="604788"/>
+            <a:off x="340500" y="456275"/>
             <a:ext cx="8463000" cy="615523"/>
           </a:xfrm>
           <a:prstGeom prst="rect">
@@ -7830,8 +7830,8 @@
         </p:nvSpPr>
         <p:spPr>
           <a:xfrm>
-            <a:off x="340500" y="1335962"/>
-            <a:ext cx="8463000" cy="2400627"/>
+            <a:off x="340500" y="1071798"/>
+            <a:ext cx="8463000" cy="4154953"/>
           </a:xfrm>
           <a:prstGeom prst="rect">
             <a:avLst/>
@@ -8135,6 +8135,366 @@
               <a:buAutoNum type="arabicPeriod"/>
             </a:pPr>
             <a:r>
+              <a:rPr lang="en-ID" sz="1200" dirty="0" err="1"/>
+              <a:t>Produk</a:t>
+            </a:r>
+            <a:r>
+              <a:rPr lang="en-ID" sz="1200" dirty="0"/>
+              <a:t> digital </a:t>
+            </a:r>
+            <a:r>
+              <a:rPr lang="en-ID" sz="1200" dirty="0" err="1"/>
+              <a:t>seperti</a:t>
+            </a:r>
+            <a:r>
+              <a:rPr lang="en-ID" sz="1200" dirty="0"/>
+              <a:t> eBooks dan Training Videos </a:t>
+            </a:r>
+            <a:r>
+              <a:rPr lang="en-ID" sz="1200" dirty="0" err="1"/>
+              <a:t>memang</a:t>
+            </a:r>
+            <a:r>
+              <a:rPr lang="en-ID" sz="1200" dirty="0"/>
+              <a:t> </a:t>
+            </a:r>
+            <a:r>
+              <a:rPr lang="en-ID" sz="1200" dirty="0" err="1"/>
+              <a:t>menjadi</a:t>
+            </a:r>
+            <a:r>
+              <a:rPr lang="en-ID" sz="1200" dirty="0"/>
+              <a:t> </a:t>
+            </a:r>
+            <a:r>
+              <a:rPr lang="en-ID" sz="1200" dirty="0" err="1"/>
+              <a:t>kategori</a:t>
+            </a:r>
+            <a:r>
+              <a:rPr lang="en-ID" sz="1200" dirty="0"/>
+              <a:t> </a:t>
+            </a:r>
+            <a:r>
+              <a:rPr lang="en-ID" sz="1200" dirty="0" err="1"/>
+              <a:t>dengan</a:t>
+            </a:r>
+            <a:r>
+              <a:rPr lang="en-ID" sz="1200" dirty="0"/>
+              <a:t> </a:t>
+            </a:r>
+            <a:r>
+              <a:rPr lang="en-ID" sz="1200" dirty="0" err="1"/>
+              <a:t>jumlah</a:t>
+            </a:r>
+            <a:r>
+              <a:rPr lang="en-ID" sz="1200" dirty="0"/>
+              <a:t> </a:t>
+            </a:r>
+            <a:r>
+              <a:rPr lang="en-ID" sz="1200" dirty="0" err="1"/>
+              <a:t>pembelian</a:t>
+            </a:r>
+            <a:r>
+              <a:rPr lang="en-ID" sz="1200" dirty="0"/>
+              <a:t> </a:t>
+            </a:r>
+            <a:r>
+              <a:rPr lang="en-ID" sz="1200" dirty="0" err="1"/>
+              <a:t>terbanyak</a:t>
+            </a:r>
+            <a:r>
+              <a:rPr lang="en-ID" sz="1200" dirty="0"/>
+              <a:t>, </a:t>
+            </a:r>
+            <a:r>
+              <a:rPr lang="en-ID" sz="1200" dirty="0" err="1"/>
+              <a:t>tetapi</a:t>
+            </a:r>
+            <a:r>
+              <a:rPr lang="en-ID" sz="1200" dirty="0"/>
+              <a:t> </a:t>
+            </a:r>
+            <a:r>
+              <a:rPr lang="en-ID" sz="1200" dirty="0" err="1"/>
+              <a:t>nilai</a:t>
+            </a:r>
+            <a:r>
+              <a:rPr lang="en-ID" sz="1200" dirty="0"/>
+              <a:t> </a:t>
+            </a:r>
+            <a:r>
+              <a:rPr lang="en-ID" sz="1200" dirty="0" err="1"/>
+              <a:t>penjualannya</a:t>
+            </a:r>
+            <a:r>
+              <a:rPr lang="en-ID" sz="1200" dirty="0"/>
+              <a:t> </a:t>
+            </a:r>
+            <a:r>
+              <a:rPr lang="en-ID" sz="1200" dirty="0" err="1"/>
+              <a:t>rendah</a:t>
+            </a:r>
+            <a:r>
+              <a:rPr lang="en-ID" sz="1200" dirty="0"/>
+              <a:t> </a:t>
+            </a:r>
+            <a:r>
+              <a:rPr lang="en-ID" sz="1200" dirty="0" err="1"/>
+              <a:t>karena</a:t>
+            </a:r>
+            <a:r>
+              <a:rPr lang="en-ID" sz="1200" dirty="0"/>
+              <a:t> </a:t>
+            </a:r>
+            <a:r>
+              <a:rPr lang="en-ID" sz="1200" dirty="0" err="1"/>
+              <a:t>harga</a:t>
+            </a:r>
+            <a:r>
+              <a:rPr lang="en-ID" sz="1200" dirty="0"/>
+              <a:t> </a:t>
+            </a:r>
+            <a:r>
+              <a:rPr lang="en-ID" sz="1200" dirty="0" err="1"/>
+              <a:t>produknya</a:t>
+            </a:r>
+            <a:r>
+              <a:rPr lang="en-ID" sz="1200" dirty="0"/>
+              <a:t> </a:t>
+            </a:r>
+            <a:r>
+              <a:rPr lang="en-ID" sz="1200" dirty="0" err="1"/>
+              <a:t>relatif</a:t>
+            </a:r>
+            <a:r>
+              <a:rPr lang="en-ID" sz="1200" dirty="0"/>
+              <a:t> </a:t>
+            </a:r>
+            <a:r>
+              <a:rPr lang="en-ID" sz="1200" dirty="0" err="1"/>
+              <a:t>murah</a:t>
+            </a:r>
+            <a:r>
+              <a:rPr lang="en-ID" sz="1200" dirty="0"/>
+              <a:t>. </a:t>
+            </a:r>
+            <a:r>
+              <a:rPr lang="en-ID" sz="1200" b="1" dirty="0" err="1"/>
+              <a:t>Rekomendasi</a:t>
+            </a:r>
+            <a:r>
+              <a:rPr lang="en-ID" sz="1200" b="1" dirty="0"/>
+              <a:t> </a:t>
+            </a:r>
+            <a:r>
+              <a:rPr lang="en-ID" sz="1200" b="1" dirty="0" err="1"/>
+              <a:t>tambahan</a:t>
+            </a:r>
+            <a:r>
+              <a:rPr lang="en-ID" sz="1200" b="1" dirty="0"/>
+              <a:t>:</a:t>
+            </a:r>
+            <a:r>
+              <a:rPr lang="en-ID" sz="1200" dirty="0"/>
+              <a:t> Perusahaan </a:t>
+            </a:r>
+            <a:r>
+              <a:rPr lang="en-ID" sz="1200" dirty="0" err="1"/>
+              <a:t>dapat</a:t>
+            </a:r>
+            <a:r>
+              <a:rPr lang="en-ID" sz="1200" dirty="0"/>
+              <a:t> </a:t>
+            </a:r>
+            <a:r>
+              <a:rPr lang="en-ID" sz="1200" dirty="0" err="1"/>
+              <a:t>menerapkan</a:t>
+            </a:r>
+            <a:r>
+              <a:rPr lang="en-ID" sz="1200" dirty="0"/>
+              <a:t> strategi </a:t>
+            </a:r>
+            <a:r>
+              <a:rPr lang="en-ID" sz="1200" i="1" dirty="0"/>
+              <a:t>upselling</a:t>
+            </a:r>
+            <a:r>
+              <a:rPr lang="en-ID" sz="1200" dirty="0"/>
+              <a:t>, </a:t>
+            </a:r>
+            <a:r>
+              <a:rPr lang="en-ID" sz="1200" dirty="0" err="1"/>
+              <a:t>misalnya</a:t>
+            </a:r>
+            <a:r>
+              <a:rPr lang="en-ID" sz="1200" dirty="0"/>
+              <a:t> </a:t>
+            </a:r>
+            <a:r>
+              <a:rPr lang="en-ID" sz="1200" dirty="0" err="1"/>
+              <a:t>menawarkan</a:t>
+            </a:r>
+            <a:r>
+              <a:rPr lang="en-ID" sz="1200" dirty="0"/>
+              <a:t> </a:t>
+            </a:r>
+            <a:r>
+              <a:rPr lang="en-ID" sz="1200" dirty="0" err="1"/>
+              <a:t>versi</a:t>
+            </a:r>
+            <a:r>
+              <a:rPr lang="en-ID" sz="1200" dirty="0"/>
+              <a:t> premium </a:t>
+            </a:r>
+            <a:r>
+              <a:rPr lang="en-ID" sz="1200" dirty="0" err="1"/>
+              <a:t>atau</a:t>
+            </a:r>
+            <a:r>
+              <a:rPr lang="en-ID" sz="1200" dirty="0"/>
+              <a:t> </a:t>
+            </a:r>
+            <a:r>
+              <a:rPr lang="en-ID" sz="1200" dirty="0" err="1"/>
+              <a:t>konten</a:t>
+            </a:r>
+            <a:r>
+              <a:rPr lang="en-ID" sz="1200" dirty="0"/>
+              <a:t> </a:t>
+            </a:r>
+            <a:r>
+              <a:rPr lang="en-ID" sz="1200" dirty="0" err="1"/>
+              <a:t>lanjutan</a:t>
+            </a:r>
+            <a:r>
+              <a:rPr lang="en-ID" sz="1200" dirty="0"/>
+              <a:t> </a:t>
+            </a:r>
+            <a:r>
+              <a:rPr lang="en-ID" sz="1200" dirty="0" err="1"/>
+              <a:t>berbayar</a:t>
+            </a:r>
+            <a:r>
+              <a:rPr lang="en-ID" sz="1200" dirty="0"/>
+              <a:t>. Selain </a:t>
+            </a:r>
+            <a:r>
+              <a:rPr lang="en-ID" sz="1200" dirty="0" err="1"/>
+              <a:t>itu</a:t>
+            </a:r>
+            <a:r>
+              <a:rPr lang="en-ID" sz="1200" dirty="0"/>
+              <a:t>, </a:t>
+            </a:r>
+            <a:r>
+              <a:rPr lang="en-ID" sz="1200" dirty="0" err="1"/>
+              <a:t>dapat</a:t>
+            </a:r>
+            <a:r>
+              <a:rPr lang="en-ID" sz="1200" dirty="0"/>
+              <a:t> </a:t>
+            </a:r>
+            <a:r>
+              <a:rPr lang="en-ID" sz="1200" dirty="0" err="1"/>
+              <a:t>dibuat</a:t>
+            </a:r>
+            <a:r>
+              <a:rPr lang="en-ID" sz="1200" dirty="0"/>
+              <a:t> </a:t>
+            </a:r>
+            <a:r>
+              <a:rPr lang="en-ID" sz="1200" i="1" dirty="0"/>
+              <a:t>product bundling</a:t>
+            </a:r>
+            <a:r>
+              <a:rPr lang="en-ID" sz="1200" dirty="0"/>
+              <a:t> </a:t>
+            </a:r>
+            <a:r>
+              <a:rPr lang="en-ID" sz="1200" dirty="0" err="1"/>
+              <a:t>antara</a:t>
+            </a:r>
+            <a:r>
+              <a:rPr lang="en-ID" sz="1200" dirty="0"/>
+              <a:t> </a:t>
+            </a:r>
+            <a:r>
+              <a:rPr lang="en-ID" sz="1200" dirty="0" err="1"/>
+              <a:t>produk</a:t>
+            </a:r>
+            <a:r>
+              <a:rPr lang="en-ID" sz="1200" dirty="0"/>
+              <a:t> digital dan </a:t>
+            </a:r>
+            <a:r>
+              <a:rPr lang="en-ID" sz="1200" dirty="0" err="1"/>
+              <a:t>kategori</a:t>
+            </a:r>
+            <a:r>
+              <a:rPr lang="en-ID" sz="1200" dirty="0"/>
+              <a:t> lain yang </a:t>
+            </a:r>
+            <a:r>
+              <a:rPr lang="en-ID" sz="1200" dirty="0" err="1"/>
+              <a:t>memiliki</a:t>
+            </a:r>
+            <a:r>
+              <a:rPr lang="en-ID" sz="1200" dirty="0"/>
+              <a:t> </a:t>
+            </a:r>
+            <a:r>
+              <a:rPr lang="en-ID" sz="1200" dirty="0" err="1"/>
+              <a:t>harga</a:t>
+            </a:r>
+            <a:r>
+              <a:rPr lang="en-ID" sz="1200" dirty="0"/>
+              <a:t> </a:t>
+            </a:r>
+            <a:r>
+              <a:rPr lang="en-ID" sz="1200" dirty="0" err="1"/>
+              <a:t>lebih</a:t>
+            </a:r>
+            <a:r>
+              <a:rPr lang="en-ID" sz="1200" dirty="0"/>
+              <a:t> </a:t>
+            </a:r>
+            <a:r>
+              <a:rPr lang="en-ID" sz="1200" dirty="0" err="1"/>
+              <a:t>tinggi</a:t>
+            </a:r>
+            <a:r>
+              <a:rPr lang="en-ID" sz="1200" dirty="0"/>
+              <a:t> </a:t>
+            </a:r>
+            <a:r>
+              <a:rPr lang="en-ID" sz="1200" dirty="0" err="1"/>
+              <a:t>untuk</a:t>
+            </a:r>
+            <a:r>
+              <a:rPr lang="en-ID" sz="1200" dirty="0"/>
+              <a:t> </a:t>
+            </a:r>
+            <a:r>
+              <a:rPr lang="en-ID" sz="1200" dirty="0" err="1"/>
+              <a:t>meningkatkan</a:t>
+            </a:r>
+            <a:r>
+              <a:rPr lang="en-ID" sz="1200" dirty="0"/>
+              <a:t> average order value.</a:t>
+            </a:r>
+            <a:r>
+              <a:rPr lang="en-US" sz="1200" dirty="0">
+                <a:solidFill>
+                  <a:schemeClr val="dk1"/>
+                </a:solidFill>
+                <a:latin typeface="+mj-lt"/>
+                <a:ea typeface="Rubik"/>
+                <a:cs typeface="Rubik"/>
+                <a:sym typeface="Rubik"/>
+              </a:rPr>
+              <a:t>Dari </a:t>
+            </a:r>
+            <a:r>
               <a:rPr lang="en-US" sz="1200" dirty="0" err="1">
                 <a:solidFill>
                   <a:schemeClr val="dk1"/>
@@ -8144,7 +8504,7 @@
                 <a:cs typeface="Rubik"/>
                 <a:sym typeface="Rubik"/>
               </a:rPr>
-              <a:t>Produk</a:t>
+              <a:t>sisi</a:t>
             </a:r>
             <a:r>
               <a:rPr lang="en-US" sz="1200" dirty="0">
@@ -8156,7 +8516,7 @@
                 <a:cs typeface="Rubik"/>
                 <a:sym typeface="Rubik"/>
               </a:rPr>
-              <a:t> digital </a:t>
+              <a:t> wilayah, Washington dan Houston </a:t>
             </a:r>
             <a:r>
               <a:rPr lang="en-US" sz="1200" dirty="0" err="1">
@@ -8168,7 +8528,7 @@
                 <a:cs typeface="Rubik"/>
                 <a:sym typeface="Rubik"/>
               </a:rPr>
-              <a:t>seperti</a:t>
+              <a:t>adalah</a:t>
             </a:r>
             <a:r>
               <a:rPr lang="en-US" sz="1200" dirty="0">
@@ -8180,7 +8540,7 @@
                 <a:cs typeface="Rubik"/>
                 <a:sym typeface="Rubik"/>
               </a:rPr>
-              <a:t> eBooks dan Training Videos </a:t>
+              <a:t> </a:t>
             </a:r>
             <a:r>
               <a:rPr lang="en-US" sz="1200" dirty="0" err="1">
@@ -8192,7 +8552,7 @@
                 <a:cs typeface="Rubik"/>
                 <a:sym typeface="Rubik"/>
               </a:rPr>
-              <a:t>memang</a:t>
+              <a:t>kota</a:t>
             </a:r>
             <a:r>
               <a:rPr lang="en-US" sz="1200" dirty="0">
@@ -8204,6 +8564,78 @@
                 <a:cs typeface="Rubik"/>
                 <a:sym typeface="Rubik"/>
               </a:rPr>
+              <a:t> </a:t>
+            </a:r>
+            <a:r>
+              <a:rPr lang="en-US" sz="1200" dirty="0" err="1">
+                <a:solidFill>
+                  <a:schemeClr val="dk1"/>
+                </a:solidFill>
+                <a:latin typeface="+mj-lt"/>
+                <a:ea typeface="Rubik"/>
+                <a:cs typeface="Rubik"/>
+                <a:sym typeface="Rubik"/>
+              </a:rPr>
+              <a:t>dengan</a:t>
+            </a:r>
+            <a:r>
+              <a:rPr lang="en-US" sz="1200" dirty="0">
+                <a:solidFill>
+                  <a:schemeClr val="dk1"/>
+                </a:solidFill>
+                <a:latin typeface="+mj-lt"/>
+                <a:ea typeface="Rubik"/>
+                <a:cs typeface="Rubik"/>
+                <a:sym typeface="Rubik"/>
+              </a:rPr>
+              <a:t> </a:t>
+            </a:r>
+            <a:r>
+              <a:rPr lang="en-US" sz="1200" dirty="0" err="1">
+                <a:solidFill>
+                  <a:schemeClr val="dk1"/>
+                </a:solidFill>
+                <a:latin typeface="+mj-lt"/>
+                <a:ea typeface="Rubik"/>
+                <a:cs typeface="Rubik"/>
+                <a:sym typeface="Rubik"/>
+              </a:rPr>
+              <a:t>performa</a:t>
+            </a:r>
+            <a:r>
+              <a:rPr lang="en-US" sz="1200" dirty="0">
+                <a:solidFill>
+                  <a:schemeClr val="dk1"/>
+                </a:solidFill>
+                <a:latin typeface="+mj-lt"/>
+                <a:ea typeface="Rubik"/>
+                <a:cs typeface="Rubik"/>
+                <a:sym typeface="Rubik"/>
+              </a:rPr>
+              <a:t> </a:t>
+            </a:r>
+            <a:r>
+              <a:rPr lang="en-US" sz="1200" dirty="0" err="1">
+                <a:solidFill>
+                  <a:schemeClr val="dk1"/>
+                </a:solidFill>
+                <a:latin typeface="+mj-lt"/>
+                <a:ea typeface="Rubik"/>
+                <a:cs typeface="Rubik"/>
+                <a:sym typeface="Rubik"/>
+              </a:rPr>
+              <a:t>penjualan</a:t>
+            </a:r>
+            <a:r>
+              <a:rPr lang="en-US" sz="1200" dirty="0">
+                <a:solidFill>
+                  <a:schemeClr val="dk1"/>
+                </a:solidFill>
+                <a:latin typeface="+mj-lt"/>
+                <a:ea typeface="Rubik"/>
+                <a:cs typeface="Rubik"/>
+                <a:sym typeface="Rubik"/>
+              </a:rPr>
               <a:t> paling </a:t>
             </a:r>
             <a:r>
@@ -8216,7 +8648,7 @@
                 <a:cs typeface="Rubik"/>
                 <a:sym typeface="Rubik"/>
               </a:rPr>
-              <a:t>banyak</a:t>
+              <a:t>kuat</a:t>
             </a:r>
             <a:r>
               <a:rPr lang="en-US" sz="1200" dirty="0">
@@ -8228,7 +8660,7 @@
                 <a:cs typeface="Rubik"/>
                 <a:sym typeface="Rubik"/>
               </a:rPr>
-              <a:t> </a:t>
+              <a:t>, </a:t>
             </a:r>
             <a:r>
               <a:rPr lang="en-US" sz="1200" dirty="0" err="1">
@@ -8240,7 +8672,7 @@
                 <a:cs typeface="Rubik"/>
                 <a:sym typeface="Rubik"/>
               </a:rPr>
-              <a:t>dibeli</a:t>
+              <a:t>baik</a:t>
             </a:r>
             <a:r>
               <a:rPr lang="en-US" sz="1200" dirty="0">
@@ -8252,7 +8684,7 @@
                 <a:cs typeface="Rubik"/>
                 <a:sym typeface="Rubik"/>
               </a:rPr>
-              <a:t>, </a:t>
+              <a:t> </a:t>
             </a:r>
             <a:r>
               <a:rPr lang="en-US" sz="1200" dirty="0" err="1">
@@ -8264,7 +8696,7 @@
                 <a:cs typeface="Rubik"/>
                 <a:sym typeface="Rubik"/>
               </a:rPr>
-              <a:t>tapi</a:t>
+              <a:t>dari</a:t>
             </a:r>
             <a:r>
               <a:rPr lang="en-US" sz="1200" dirty="0">
@@ -8288,6 +8720,54 @@
                 <a:cs typeface="Rubik"/>
                 <a:sym typeface="Rubik"/>
               </a:rPr>
+              <a:t>jumlah</a:t>
+            </a:r>
+            <a:r>
+              <a:rPr lang="en-US" sz="1200" dirty="0">
+                <a:solidFill>
+                  <a:schemeClr val="dk1"/>
+                </a:solidFill>
+                <a:latin typeface="+mj-lt"/>
+                <a:ea typeface="Rubik"/>
+                <a:cs typeface="Rubik"/>
+                <a:sym typeface="Rubik"/>
+              </a:rPr>
+              <a:t> order </a:t>
+            </a:r>
+            <a:r>
+              <a:rPr lang="en-US" sz="1200" dirty="0" err="1">
+                <a:solidFill>
+                  <a:schemeClr val="dk1"/>
+                </a:solidFill>
+                <a:latin typeface="+mj-lt"/>
+                <a:ea typeface="Rubik"/>
+                <a:cs typeface="Rubik"/>
+                <a:sym typeface="Rubik"/>
+              </a:rPr>
+              <a:t>maupun</a:t>
+            </a:r>
+            <a:r>
+              <a:rPr lang="en-US" sz="1200" dirty="0">
+                <a:solidFill>
+                  <a:schemeClr val="dk1"/>
+                </a:solidFill>
+                <a:latin typeface="+mj-lt"/>
+                <a:ea typeface="Rubik"/>
+                <a:cs typeface="Rubik"/>
+                <a:sym typeface="Rubik"/>
+              </a:rPr>
+              <a:t> </a:t>
+            </a:r>
+            <a:r>
+              <a:rPr lang="en-US" sz="1200" dirty="0" err="1">
+                <a:solidFill>
+                  <a:schemeClr val="dk1"/>
+                </a:solidFill>
+                <a:latin typeface="+mj-lt"/>
+                <a:ea typeface="Rubik"/>
+                <a:cs typeface="Rubik"/>
+                <a:sym typeface="Rubik"/>
+              </a:rPr>
               <a:t>nilai</a:t>
             </a:r>
             <a:r>
@@ -8312,151 +8792,7 @@
                 <a:cs typeface="Rubik"/>
                 <a:sym typeface="Rubik"/>
               </a:rPr>
-              <a:t>penjualannya</a:t>
-            </a:r>
-            <a:r>
-              <a:rPr lang="en-US" sz="1200" dirty="0">
-                <a:solidFill>
-                  <a:schemeClr val="dk1"/>
-                </a:solidFill>
-                <a:latin typeface="+mj-lt"/>
-                <a:ea typeface="Rubik"/>
-                <a:cs typeface="Rubik"/>
-                <a:sym typeface="Rubik"/>
-              </a:rPr>
-              <a:t> </a:t>
-            </a:r>
-            <a:r>
-              <a:rPr lang="en-US" sz="1200" dirty="0" err="1">
-                <a:solidFill>
-                  <a:schemeClr val="dk1"/>
-                </a:solidFill>
-                <a:latin typeface="+mj-lt"/>
-                <a:ea typeface="Rubik"/>
-                <a:cs typeface="Rubik"/>
-                <a:sym typeface="Rubik"/>
-              </a:rPr>
-              <a:t>tidak</a:t>
-            </a:r>
-            <a:r>
-              <a:rPr lang="en-US" sz="1200" dirty="0">
-                <a:solidFill>
-                  <a:schemeClr val="dk1"/>
-                </a:solidFill>
-                <a:latin typeface="+mj-lt"/>
-                <a:ea typeface="Rubik"/>
-                <a:cs typeface="Rubik"/>
-                <a:sym typeface="Rubik"/>
-              </a:rPr>
-              <a:t> </a:t>
-            </a:r>
-            <a:r>
-              <a:rPr lang="en-US" sz="1200" dirty="0" err="1">
-                <a:solidFill>
-                  <a:schemeClr val="dk1"/>
-                </a:solidFill>
-                <a:latin typeface="+mj-lt"/>
-                <a:ea typeface="Rubik"/>
-                <a:cs typeface="Rubik"/>
-                <a:sym typeface="Rubik"/>
-              </a:rPr>
-              <a:t>terlalu</a:t>
-            </a:r>
-            <a:r>
-              <a:rPr lang="en-US" sz="1200" dirty="0">
-                <a:solidFill>
-                  <a:schemeClr val="dk1"/>
-                </a:solidFill>
-                <a:latin typeface="+mj-lt"/>
-                <a:ea typeface="Rubik"/>
-                <a:cs typeface="Rubik"/>
-                <a:sym typeface="Rubik"/>
-              </a:rPr>
-              <a:t> </a:t>
-            </a:r>
-            <a:r>
-              <a:rPr lang="en-US" sz="1200" dirty="0" err="1">
-                <a:solidFill>
-                  <a:schemeClr val="dk1"/>
-                </a:solidFill>
-                <a:latin typeface="+mj-lt"/>
-                <a:ea typeface="Rubik"/>
-                <a:cs typeface="Rubik"/>
-                <a:sym typeface="Rubik"/>
-              </a:rPr>
-              <a:t>tinggi</a:t>
-            </a:r>
-            <a:r>
-              <a:rPr lang="en-US" sz="1200" dirty="0">
-                <a:solidFill>
-                  <a:schemeClr val="dk1"/>
-                </a:solidFill>
-                <a:latin typeface="+mj-lt"/>
-                <a:ea typeface="Rubik"/>
-                <a:cs typeface="Rubik"/>
-                <a:sym typeface="Rubik"/>
-              </a:rPr>
-              <a:t> </a:t>
-            </a:r>
-            <a:r>
-              <a:rPr lang="en-US" sz="1200" dirty="0" err="1">
-                <a:solidFill>
-                  <a:schemeClr val="dk1"/>
-                </a:solidFill>
-                <a:latin typeface="+mj-lt"/>
-                <a:ea typeface="Rubik"/>
-                <a:cs typeface="Rubik"/>
-                <a:sym typeface="Rubik"/>
-              </a:rPr>
-              <a:t>karena</a:t>
-            </a:r>
-            <a:r>
-              <a:rPr lang="en-US" sz="1200" dirty="0">
-                <a:solidFill>
-                  <a:schemeClr val="dk1"/>
-                </a:solidFill>
-                <a:latin typeface="+mj-lt"/>
-                <a:ea typeface="Rubik"/>
-                <a:cs typeface="Rubik"/>
-                <a:sym typeface="Rubik"/>
-              </a:rPr>
-              <a:t> </a:t>
-            </a:r>
-            <a:r>
-              <a:rPr lang="en-US" sz="1200" dirty="0" err="1">
-                <a:solidFill>
-                  <a:schemeClr val="dk1"/>
-                </a:solidFill>
-                <a:latin typeface="+mj-lt"/>
-                <a:ea typeface="Rubik"/>
-                <a:cs typeface="Rubik"/>
-                <a:sym typeface="Rubik"/>
-              </a:rPr>
-              <a:t>harganya</a:t>
-            </a:r>
-            <a:r>
-              <a:rPr lang="en-US" sz="1200" dirty="0">
-                <a:solidFill>
-                  <a:schemeClr val="dk1"/>
-                </a:solidFill>
-                <a:latin typeface="+mj-lt"/>
-                <a:ea typeface="Rubik"/>
-                <a:cs typeface="Rubik"/>
-                <a:sym typeface="Rubik"/>
-              </a:rPr>
-              <a:t> </a:t>
-            </a:r>
-            <a:r>
-              <a:rPr lang="en-US" sz="1200" dirty="0" err="1">
-                <a:solidFill>
-                  <a:schemeClr val="dk1"/>
-                </a:solidFill>
-                <a:latin typeface="+mj-lt"/>
-                <a:ea typeface="Rubik"/>
-                <a:cs typeface="Rubik"/>
-                <a:sym typeface="Rubik"/>
-              </a:rPr>
-              <a:t>murah</a:t>
+              <a:t>penjualan</a:t>
             </a:r>
             <a:r>
               <a:rPr lang="en-US" sz="1200" dirty="0">
@@ -8481,316 +8817,132 @@
               <a:buAutoNum type="arabicPeriod"/>
             </a:pPr>
             <a:r>
-              <a:rPr lang="en-US" sz="1200" dirty="0">
-                <a:solidFill>
-                  <a:schemeClr val="dk1"/>
-                </a:solidFill>
-                <a:latin typeface="+mj-lt"/>
-                <a:ea typeface="Rubik"/>
-                <a:cs typeface="Rubik"/>
-                <a:sym typeface="Rubik"/>
-              </a:rPr>
-              <a:t>Dari </a:t>
-            </a:r>
-            <a:r>
-              <a:rPr lang="en-US" sz="1200" dirty="0" err="1">
-                <a:solidFill>
-                  <a:schemeClr val="dk1"/>
-                </a:solidFill>
-                <a:latin typeface="+mj-lt"/>
-                <a:ea typeface="Rubik"/>
-                <a:cs typeface="Rubik"/>
-                <a:sym typeface="Rubik"/>
-              </a:rPr>
-              <a:t>sisi</a:t>
-            </a:r>
-            <a:r>
-              <a:rPr lang="en-US" sz="1200" dirty="0">
-                <a:solidFill>
-                  <a:schemeClr val="dk1"/>
-                </a:solidFill>
-                <a:latin typeface="+mj-lt"/>
-                <a:ea typeface="Rubik"/>
-                <a:cs typeface="Rubik"/>
-                <a:sym typeface="Rubik"/>
-              </a:rPr>
-              <a:t> wilayah, Washington dan Houston </a:t>
-            </a:r>
-            <a:r>
-              <a:rPr lang="en-US" sz="1200" dirty="0" err="1">
-                <a:solidFill>
-                  <a:schemeClr val="dk1"/>
-                </a:solidFill>
-                <a:latin typeface="+mj-lt"/>
-                <a:ea typeface="Rubik"/>
-                <a:cs typeface="Rubik"/>
-                <a:sym typeface="Rubik"/>
-              </a:rPr>
-              <a:t>adalah</a:t>
-            </a:r>
-            <a:r>
-              <a:rPr lang="en-US" sz="1200" dirty="0">
-                <a:solidFill>
-                  <a:schemeClr val="dk1"/>
-                </a:solidFill>
-                <a:latin typeface="+mj-lt"/>
-                <a:ea typeface="Rubik"/>
-                <a:cs typeface="Rubik"/>
-                <a:sym typeface="Rubik"/>
-              </a:rPr>
-              <a:t> </a:t>
-            </a:r>
-            <a:r>
-              <a:rPr lang="en-US" sz="1200" dirty="0" err="1">
-                <a:solidFill>
-                  <a:schemeClr val="dk1"/>
-                </a:solidFill>
-                <a:latin typeface="+mj-lt"/>
-                <a:ea typeface="Rubik"/>
-                <a:cs typeface="Rubik"/>
-                <a:sym typeface="Rubik"/>
-              </a:rPr>
+              <a:rPr lang="en-ID" sz="1200" dirty="0"/>
+              <a:t>Washington dan Houston </a:t>
+            </a:r>
+            <a:r>
+              <a:rPr lang="en-ID" sz="1200" dirty="0" err="1"/>
+              <a:t>menjadi</a:t>
+            </a:r>
+            <a:r>
+              <a:rPr lang="en-ID" sz="1200" dirty="0"/>
+              <a:t> </a:t>
+            </a:r>
+            <a:r>
+              <a:rPr lang="en-ID" sz="1200" dirty="0" err="1"/>
               <a:t>kota</a:t>
             </a:r>
             <a:r>
-              <a:rPr lang="en-US" sz="1200" dirty="0">
-                <a:solidFill>
-                  <a:schemeClr val="dk1"/>
-                </a:solidFill>
-                <a:latin typeface="+mj-lt"/>
-                <a:ea typeface="Rubik"/>
-                <a:cs typeface="Rubik"/>
-                <a:sym typeface="Rubik"/>
-              </a:rPr>
-              <a:t> </a:t>
-            </a:r>
-            <a:r>
-              <a:rPr lang="en-US" sz="1200" dirty="0" err="1">
-                <a:solidFill>
-                  <a:schemeClr val="dk1"/>
-                </a:solidFill>
-                <a:latin typeface="+mj-lt"/>
-                <a:ea typeface="Rubik"/>
-                <a:cs typeface="Rubik"/>
-                <a:sym typeface="Rubik"/>
-              </a:rPr>
+              <a:rPr lang="en-ID" sz="1200" dirty="0"/>
+              <a:t> </a:t>
+            </a:r>
+            <a:r>
+              <a:rPr lang="en-ID" sz="1200" dirty="0" err="1"/>
               <a:t>dengan</a:t>
             </a:r>
             <a:r>
-              <a:rPr lang="en-US" sz="1200" dirty="0">
-                <a:solidFill>
-                  <a:schemeClr val="dk1"/>
-                </a:solidFill>
-                <a:latin typeface="+mj-lt"/>
-                <a:ea typeface="Rubik"/>
-                <a:cs typeface="Rubik"/>
-                <a:sym typeface="Rubik"/>
-              </a:rPr>
-              <a:t> </a:t>
-            </a:r>
-            <a:r>
-              <a:rPr lang="en-US" sz="1200" dirty="0" err="1">
-                <a:solidFill>
-                  <a:schemeClr val="dk1"/>
-                </a:solidFill>
-                <a:latin typeface="+mj-lt"/>
-                <a:ea typeface="Rubik"/>
-                <a:cs typeface="Rubik"/>
-                <a:sym typeface="Rubik"/>
-              </a:rPr>
+              <a:rPr lang="en-ID" sz="1200" dirty="0"/>
+              <a:t> </a:t>
+            </a:r>
+            <a:r>
+              <a:rPr lang="en-ID" sz="1200" dirty="0" err="1"/>
               <a:t>performa</a:t>
             </a:r>
             <a:r>
-              <a:rPr lang="en-US" sz="1200" dirty="0">
-                <a:solidFill>
-                  <a:schemeClr val="dk1"/>
-                </a:solidFill>
-                <a:latin typeface="+mj-lt"/>
-                <a:ea typeface="Rubik"/>
-                <a:cs typeface="Rubik"/>
-                <a:sym typeface="Rubik"/>
-              </a:rPr>
-              <a:t> </a:t>
-            </a:r>
-            <a:r>
-              <a:rPr lang="en-US" sz="1200" dirty="0" err="1">
-                <a:solidFill>
-                  <a:schemeClr val="dk1"/>
-                </a:solidFill>
-                <a:latin typeface="+mj-lt"/>
-                <a:ea typeface="Rubik"/>
-                <a:cs typeface="Rubik"/>
-                <a:sym typeface="Rubik"/>
-              </a:rPr>
+              <a:rPr lang="en-ID" sz="1200" dirty="0"/>
+              <a:t> </a:t>
+            </a:r>
+            <a:r>
+              <a:rPr lang="en-ID" sz="1200" dirty="0" err="1"/>
               <a:t>penjualan</a:t>
             </a:r>
             <a:r>
-              <a:rPr lang="en-US" sz="1200" dirty="0">
-                <a:solidFill>
-                  <a:schemeClr val="dk1"/>
-                </a:solidFill>
-                <a:latin typeface="+mj-lt"/>
-                <a:ea typeface="Rubik"/>
-                <a:cs typeface="Rubik"/>
-                <a:sym typeface="Rubik"/>
-              </a:rPr>
+              <a:rPr lang="en-ID" sz="1200" dirty="0"/>
               <a:t> paling </a:t>
             </a:r>
             <a:r>
-              <a:rPr lang="en-US" sz="1200" dirty="0" err="1">
-                <a:solidFill>
-                  <a:schemeClr val="dk1"/>
-                </a:solidFill>
-                <a:latin typeface="+mj-lt"/>
-                <a:ea typeface="Rubik"/>
-                <a:cs typeface="Rubik"/>
-                <a:sym typeface="Rubik"/>
-              </a:rPr>
+              <a:rPr lang="en-ID" sz="1200" dirty="0" err="1"/>
               <a:t>kuat</a:t>
             </a:r>
             <a:r>
-              <a:rPr lang="en-US" sz="1200" dirty="0">
-                <a:solidFill>
-                  <a:schemeClr val="dk1"/>
-                </a:solidFill>
-                <a:latin typeface="+mj-lt"/>
-                <a:ea typeface="Rubik"/>
-                <a:cs typeface="Rubik"/>
-                <a:sym typeface="Rubik"/>
-              </a:rPr>
+              <a:rPr lang="en-ID" sz="1200" dirty="0"/>
               <a:t>, </a:t>
             </a:r>
             <a:r>
-              <a:rPr lang="en-US" sz="1200" dirty="0" err="1">
-                <a:solidFill>
-                  <a:schemeClr val="dk1"/>
-                </a:solidFill>
-                <a:latin typeface="+mj-lt"/>
-                <a:ea typeface="Rubik"/>
-                <a:cs typeface="Rubik"/>
-                <a:sym typeface="Rubik"/>
-              </a:rPr>
+              <a:rPr lang="en-ID" sz="1200" dirty="0" err="1"/>
               <a:t>baik</a:t>
             </a:r>
             <a:r>
-              <a:rPr lang="en-US" sz="1200" dirty="0">
-                <a:solidFill>
-                  <a:schemeClr val="dk1"/>
-                </a:solidFill>
-                <a:latin typeface="+mj-lt"/>
-                <a:ea typeface="Rubik"/>
-                <a:cs typeface="Rubik"/>
-                <a:sym typeface="Rubik"/>
-              </a:rPr>
-              <a:t> </a:t>
-            </a:r>
-            <a:r>
-              <a:rPr lang="en-US" sz="1200" dirty="0" err="1">
-                <a:solidFill>
-                  <a:schemeClr val="dk1"/>
-                </a:solidFill>
-                <a:latin typeface="+mj-lt"/>
-                <a:ea typeface="Rubik"/>
-                <a:cs typeface="Rubik"/>
-                <a:sym typeface="Rubik"/>
-              </a:rPr>
+              <a:rPr lang="en-ID" sz="1200" dirty="0"/>
+              <a:t> </a:t>
+            </a:r>
+            <a:r>
+              <a:rPr lang="en-ID" sz="1200" dirty="0" err="1"/>
               <a:t>dari</a:t>
             </a:r>
             <a:r>
-              <a:rPr lang="en-US" sz="1200" dirty="0">
-                <a:solidFill>
-                  <a:schemeClr val="dk1"/>
-                </a:solidFill>
-                <a:latin typeface="+mj-lt"/>
-                <a:ea typeface="Rubik"/>
-                <a:cs typeface="Rubik"/>
-                <a:sym typeface="Rubik"/>
-              </a:rPr>
-              <a:t> </a:t>
-            </a:r>
-            <a:r>
-              <a:rPr lang="en-US" sz="1200" dirty="0" err="1">
-                <a:solidFill>
-                  <a:schemeClr val="dk1"/>
-                </a:solidFill>
-                <a:latin typeface="+mj-lt"/>
-                <a:ea typeface="Rubik"/>
-                <a:cs typeface="Rubik"/>
-                <a:sym typeface="Rubik"/>
-              </a:rPr>
+              <a:rPr lang="en-ID" sz="1200" dirty="0"/>
+              <a:t> </a:t>
+            </a:r>
+            <a:r>
+              <a:rPr lang="en-ID" sz="1200" dirty="0" err="1"/>
               <a:t>jumlah</a:t>
             </a:r>
             <a:r>
-              <a:rPr lang="en-US" sz="1200" dirty="0">
-                <a:solidFill>
-                  <a:schemeClr val="dk1"/>
-                </a:solidFill>
-                <a:latin typeface="+mj-lt"/>
-                <a:ea typeface="Rubik"/>
-                <a:cs typeface="Rubik"/>
-                <a:sym typeface="Rubik"/>
-              </a:rPr>
+              <a:rPr lang="en-ID" sz="1200" dirty="0"/>
               <a:t> order </a:t>
             </a:r>
             <a:r>
-              <a:rPr lang="en-US" sz="1200" dirty="0" err="1">
-                <a:solidFill>
-                  <a:schemeClr val="dk1"/>
-                </a:solidFill>
-                <a:latin typeface="+mj-lt"/>
-                <a:ea typeface="Rubik"/>
-                <a:cs typeface="Rubik"/>
-                <a:sym typeface="Rubik"/>
-              </a:rPr>
+              <a:rPr lang="en-ID" sz="1200" dirty="0" err="1"/>
               <a:t>maupun</a:t>
             </a:r>
             <a:r>
-              <a:rPr lang="en-US" sz="1200" dirty="0">
-                <a:solidFill>
-                  <a:schemeClr val="dk1"/>
-                </a:solidFill>
-                <a:latin typeface="+mj-lt"/>
-                <a:ea typeface="Rubik"/>
-                <a:cs typeface="Rubik"/>
-                <a:sym typeface="Rubik"/>
-              </a:rPr>
-              <a:t> </a:t>
-            </a:r>
-            <a:r>
-              <a:rPr lang="en-US" sz="1200" dirty="0" err="1">
-                <a:solidFill>
-                  <a:schemeClr val="dk1"/>
-                </a:solidFill>
-                <a:latin typeface="+mj-lt"/>
-                <a:ea typeface="Rubik"/>
-                <a:cs typeface="Rubik"/>
-                <a:sym typeface="Rubik"/>
-              </a:rPr>
-              <a:t>nilai</a:t>
-            </a:r>
-            <a:r>
-              <a:rPr lang="en-US" sz="1200" dirty="0">
-                <a:solidFill>
-                  <a:schemeClr val="dk1"/>
-                </a:solidFill>
-                <a:latin typeface="+mj-lt"/>
-                <a:ea typeface="Rubik"/>
-                <a:cs typeface="Rubik"/>
-                <a:sym typeface="Rubik"/>
-              </a:rPr>
-              <a:t> </a:t>
-            </a:r>
-            <a:r>
-              <a:rPr lang="en-US" sz="1200" dirty="0" err="1">
-                <a:solidFill>
-                  <a:schemeClr val="dk1"/>
-                </a:solidFill>
-                <a:latin typeface="+mj-lt"/>
-                <a:ea typeface="Rubik"/>
-                <a:cs typeface="Rubik"/>
-                <a:sym typeface="Rubik"/>
-              </a:rPr>
-              <a:t>penjualan</a:t>
+              <a:rPr lang="en-ID" sz="1200" dirty="0"/>
+              <a:t> total revenue, </a:t>
+            </a:r>
+            <a:r>
+              <a:rPr lang="en-ID" sz="1200" dirty="0" err="1"/>
+              <a:t>menunjukkan</a:t>
+            </a:r>
+            <a:r>
+              <a:rPr lang="en-ID" sz="1200" dirty="0"/>
+              <a:t> </a:t>
+            </a:r>
+            <a:r>
+              <a:rPr lang="en-ID" sz="1200" dirty="0" err="1"/>
+              <a:t>fokus</a:t>
+            </a:r>
+            <a:r>
+              <a:rPr lang="en-ID" sz="1200" dirty="0"/>
+              <a:t> pasar </a:t>
+            </a:r>
+            <a:r>
+              <a:rPr lang="en-ID" sz="1200" dirty="0" err="1"/>
+              <a:t>utama</a:t>
+            </a:r>
+            <a:r>
+              <a:rPr lang="en-ID" sz="1200" dirty="0"/>
+              <a:t> </a:t>
+            </a:r>
+            <a:r>
+              <a:rPr lang="en-ID" sz="1200" dirty="0" err="1"/>
+              <a:t>perusahaan</a:t>
+            </a:r>
+            <a:r>
+              <a:rPr lang="en-ID" sz="1200" dirty="0"/>
+              <a:t> </a:t>
+            </a:r>
+            <a:r>
+              <a:rPr lang="en-ID" sz="1200" dirty="0" err="1"/>
+              <a:t>berada</a:t>
+            </a:r>
+            <a:r>
+              <a:rPr lang="en-ID" sz="1200" dirty="0"/>
+              <a:t> di area </a:t>
+            </a:r>
+            <a:r>
+              <a:rPr lang="en-ID" sz="1200" dirty="0" err="1"/>
+              <a:t>tersebut</a:t>
             </a:r>
             <a:r>
               <a:rPr lang="en-US" sz="1200" dirty="0">
@@ -8815,231 +8967,111 @@
               <a:buAutoNum type="arabicPeriod"/>
             </a:pPr>
             <a:r>
-              <a:rPr lang="en-US" sz="1200" dirty="0">
-                <a:solidFill>
-                  <a:schemeClr val="dk1"/>
-                </a:solidFill>
-                <a:latin typeface="+mj-lt"/>
-                <a:ea typeface="Rubik"/>
-                <a:cs typeface="Rubik"/>
-                <a:sym typeface="Rubik"/>
-              </a:rPr>
+              <a:rPr lang="en-ID" sz="1200" dirty="0"/>
               <a:t>Pola </a:t>
             </a:r>
             <a:r>
-              <a:rPr lang="en-US" sz="1200" dirty="0" err="1">
-                <a:solidFill>
-                  <a:schemeClr val="dk1"/>
-                </a:solidFill>
-                <a:latin typeface="+mj-lt"/>
-                <a:ea typeface="Rubik"/>
-                <a:cs typeface="Rubik"/>
-                <a:sym typeface="Rubik"/>
-              </a:rPr>
+              <a:rPr lang="en-ID" sz="1200" dirty="0" err="1"/>
               <a:t>transaksi</a:t>
             </a:r>
             <a:r>
-              <a:rPr lang="en-US" sz="1200" dirty="0">
-                <a:solidFill>
-                  <a:schemeClr val="dk1"/>
-                </a:solidFill>
-                <a:latin typeface="+mj-lt"/>
-                <a:ea typeface="Rubik"/>
-                <a:cs typeface="Rubik"/>
-                <a:sym typeface="Rubik"/>
-              </a:rPr>
-              <a:t> </a:t>
-            </a:r>
-            <a:r>
-              <a:rPr lang="en-US" sz="1200" dirty="0" err="1">
-                <a:solidFill>
-                  <a:schemeClr val="dk1"/>
-                </a:solidFill>
-                <a:latin typeface="+mj-lt"/>
-                <a:ea typeface="Rubik"/>
-                <a:cs typeface="Rubik"/>
-                <a:sym typeface="Rubik"/>
-              </a:rPr>
-              <a:t>terlihat</a:t>
-            </a:r>
-            <a:r>
-              <a:rPr lang="en-US" sz="1200" dirty="0">
-                <a:solidFill>
-                  <a:schemeClr val="dk1"/>
-                </a:solidFill>
-                <a:latin typeface="+mj-lt"/>
-                <a:ea typeface="Rubik"/>
-                <a:cs typeface="Rubik"/>
-                <a:sym typeface="Rubik"/>
-              </a:rPr>
-              <a:t> paling </a:t>
-            </a:r>
-            <a:r>
-              <a:rPr lang="en-US" sz="1200" dirty="0" err="1">
-                <a:solidFill>
-                  <a:schemeClr val="dk1"/>
-                </a:solidFill>
-                <a:latin typeface="+mj-lt"/>
-                <a:ea typeface="Rubik"/>
-                <a:cs typeface="Rubik"/>
-                <a:sym typeface="Rubik"/>
-              </a:rPr>
-              <a:t>padat</a:t>
-            </a:r>
-            <a:r>
-              <a:rPr lang="en-US" sz="1200" dirty="0">
-                <a:solidFill>
-                  <a:schemeClr val="dk1"/>
-                </a:solidFill>
-                <a:latin typeface="+mj-lt"/>
-                <a:ea typeface="Rubik"/>
-                <a:cs typeface="Rubik"/>
-                <a:sym typeface="Rubik"/>
-              </a:rPr>
-              <a:t> di wilayah Amerika Utara, </a:t>
-            </a:r>
-            <a:r>
-              <a:rPr lang="en-US" sz="1200" dirty="0" err="1">
-                <a:solidFill>
-                  <a:schemeClr val="dk1"/>
-                </a:solidFill>
-                <a:latin typeface="+mj-lt"/>
-                <a:ea typeface="Rubik"/>
-                <a:cs typeface="Rubik"/>
-                <a:sym typeface="Rubik"/>
-              </a:rPr>
-              <a:t>sementara</a:t>
-            </a:r>
-            <a:r>
-              <a:rPr lang="en-US" sz="1200" dirty="0">
-                <a:solidFill>
-                  <a:schemeClr val="dk1"/>
-                </a:solidFill>
-                <a:latin typeface="+mj-lt"/>
-                <a:ea typeface="Rubik"/>
-                <a:cs typeface="Rubik"/>
-                <a:sym typeface="Rubik"/>
-              </a:rPr>
-              <a:t> </a:t>
-            </a:r>
-            <a:r>
-              <a:rPr lang="en-US" sz="1200" dirty="0" err="1">
-                <a:solidFill>
-                  <a:schemeClr val="dk1"/>
-                </a:solidFill>
-                <a:latin typeface="+mj-lt"/>
-                <a:ea typeface="Rubik"/>
-                <a:cs typeface="Rubik"/>
-                <a:sym typeface="Rubik"/>
-              </a:rPr>
-              <a:t>kota</a:t>
-            </a:r>
-            <a:r>
-              <a:rPr lang="en-US" sz="1200" dirty="0">
-                <a:solidFill>
-                  <a:schemeClr val="dk1"/>
-                </a:solidFill>
-                <a:latin typeface="+mj-lt"/>
-                <a:ea typeface="Rubik"/>
-                <a:cs typeface="Rubik"/>
-                <a:sym typeface="Rubik"/>
-              </a:rPr>
-              <a:t> di wilayah lain </a:t>
-            </a:r>
-            <a:r>
-              <a:rPr lang="en-US" sz="1200" dirty="0" err="1">
-                <a:solidFill>
-                  <a:schemeClr val="dk1"/>
-                </a:solidFill>
-                <a:latin typeface="+mj-lt"/>
-                <a:ea typeface="Rubik"/>
-                <a:cs typeface="Rubik"/>
-                <a:sym typeface="Rubik"/>
-              </a:rPr>
+              <a:rPr lang="en-ID" sz="1200" dirty="0"/>
+              <a:t> </a:t>
+            </a:r>
+            <a:r>
+              <a:rPr lang="en-ID" sz="1200" dirty="0" err="1"/>
+              <a:t>menunjukkan</a:t>
+            </a:r>
+            <a:r>
+              <a:rPr lang="en-ID" sz="1200" dirty="0"/>
+              <a:t> </a:t>
+            </a:r>
+            <a:r>
+              <a:rPr lang="en-ID" sz="1200" dirty="0" err="1"/>
+              <a:t>dominasi</a:t>
+            </a:r>
+            <a:r>
+              <a:rPr lang="en-ID" sz="1200" dirty="0"/>
+              <a:t> wilayah Amerika Utara, </a:t>
+            </a:r>
+            <a:r>
+              <a:rPr lang="en-ID" sz="1200" dirty="0" err="1"/>
+              <a:t>sedangkan</a:t>
+            </a:r>
+            <a:r>
+              <a:rPr lang="en-ID" sz="1200" dirty="0"/>
+              <a:t> </a:t>
+            </a:r>
+            <a:r>
+              <a:rPr lang="en-ID" sz="1200" dirty="0" err="1"/>
+              <a:t>kota-kota</a:t>
+            </a:r>
+            <a:r>
+              <a:rPr lang="en-ID" sz="1200" dirty="0"/>
+              <a:t> lain </a:t>
+            </a:r>
+            <a:r>
+              <a:rPr lang="en-ID" sz="1200" dirty="0" err="1"/>
               <a:t>masih</a:t>
             </a:r>
             <a:r>
-              <a:rPr lang="en-US" sz="1200" dirty="0">
-                <a:solidFill>
-                  <a:schemeClr val="dk1"/>
-                </a:solidFill>
-                <a:latin typeface="+mj-lt"/>
-                <a:ea typeface="Rubik"/>
-                <a:cs typeface="Rubik"/>
-                <a:sym typeface="Rubik"/>
-              </a:rPr>
-              <a:t> </a:t>
-            </a:r>
-            <a:r>
-              <a:rPr lang="en-US" sz="1200" dirty="0" err="1">
-                <a:solidFill>
-                  <a:schemeClr val="dk1"/>
-                </a:solidFill>
-                <a:latin typeface="+mj-lt"/>
-                <a:ea typeface="Rubik"/>
-                <a:cs typeface="Rubik"/>
-                <a:sym typeface="Rubik"/>
-              </a:rPr>
+              <a:rPr lang="en-ID" sz="1200" dirty="0"/>
+              <a:t> </a:t>
+            </a:r>
+            <a:r>
+              <a:rPr lang="en-ID" sz="1200" dirty="0" err="1"/>
+              <a:t>kurang</a:t>
+            </a:r>
+            <a:r>
+              <a:rPr lang="en-ID" sz="1200" dirty="0"/>
+              <a:t> </a:t>
+            </a:r>
+            <a:r>
+              <a:rPr lang="en-ID" sz="1200" dirty="0" err="1"/>
+              <a:t>aktif</a:t>
+            </a:r>
+            <a:r>
+              <a:rPr lang="en-ID" sz="1200" dirty="0"/>
+              <a:t> dan </a:t>
+            </a:r>
+            <a:r>
+              <a:rPr lang="en-ID" sz="1200" dirty="0" err="1"/>
+              <a:t>memiliki</a:t>
+            </a:r>
+            <a:r>
+              <a:rPr lang="en-ID" sz="1200" dirty="0"/>
+              <a:t> </a:t>
+            </a:r>
+            <a:r>
+              <a:rPr lang="en-ID" sz="1200" dirty="0" err="1"/>
+              <a:t>potensi</a:t>
+            </a:r>
+            <a:r>
+              <a:rPr lang="en-ID" sz="1200" dirty="0"/>
+              <a:t> </a:t>
+            </a:r>
+            <a:r>
+              <a:rPr lang="en-ID" sz="1200" dirty="0" err="1"/>
+              <a:t>pertumbuhan</a:t>
+            </a:r>
+            <a:r>
+              <a:rPr lang="en-ID" sz="1200" dirty="0"/>
+              <a:t> pasar yang </a:t>
+            </a:r>
+            <a:r>
+              <a:rPr lang="en-ID" sz="1200" dirty="0" err="1"/>
               <a:t>belum</a:t>
             </a:r>
             <a:r>
-              <a:rPr lang="en-US" sz="1200" dirty="0">
-                <a:solidFill>
-                  <a:schemeClr val="dk1"/>
-                </a:solidFill>
-                <a:latin typeface="+mj-lt"/>
-                <a:ea typeface="Rubik"/>
-                <a:cs typeface="Rubik"/>
-                <a:sym typeface="Rubik"/>
-              </a:rPr>
-              <a:t> </a:t>
-            </a:r>
-            <a:r>
-              <a:rPr lang="en-US" sz="1200" dirty="0" err="1">
-                <a:solidFill>
-                  <a:schemeClr val="dk1"/>
-                </a:solidFill>
-                <a:latin typeface="+mj-lt"/>
-                <a:ea typeface="Rubik"/>
-                <a:cs typeface="Rubik"/>
-                <a:sym typeface="Rubik"/>
-              </a:rPr>
-              <a:t>begitu</a:t>
-            </a:r>
-            <a:r>
-              <a:rPr lang="en-US" sz="1200" dirty="0">
-                <a:solidFill>
-                  <a:schemeClr val="dk1"/>
-                </a:solidFill>
-                <a:latin typeface="+mj-lt"/>
-                <a:ea typeface="Rubik"/>
-                <a:cs typeface="Rubik"/>
-                <a:sym typeface="Rubik"/>
-              </a:rPr>
-              <a:t> </a:t>
-            </a:r>
-            <a:r>
-              <a:rPr lang="en-US" sz="1200" dirty="0" err="1">
-                <a:solidFill>
-                  <a:schemeClr val="dk1"/>
-                </a:solidFill>
-                <a:latin typeface="+mj-lt"/>
-                <a:ea typeface="Rubik"/>
-                <a:cs typeface="Rubik"/>
-                <a:sym typeface="Rubik"/>
-              </a:rPr>
-              <a:t>aktif</a:t>
-            </a:r>
-            <a:r>
-              <a:rPr lang="en-US" sz="1200" dirty="0">
-                <a:solidFill>
-                  <a:schemeClr val="dk1"/>
-                </a:solidFill>
-                <a:latin typeface="+mj-lt"/>
-                <a:ea typeface="Rubik"/>
-                <a:cs typeface="Rubik"/>
-                <a:sym typeface="Rubik"/>
-              </a:rPr>
+              <a:rPr lang="en-ID" sz="1200" dirty="0"/>
+              <a:t> </a:t>
+            </a:r>
+            <a:r>
+              <a:rPr lang="en-ID" sz="1200" dirty="0" err="1"/>
+              <a:t>dimaksimalkan</a:t>
+            </a:r>
+            <a:r>
+              <a:rPr lang="en-ID" sz="1200" dirty="0"/>
               <a:t>.</a:t>
             </a:r>
           </a:p>
@@ -9053,173 +9085,150 @@
               <a:buAutoNum type="arabicPeriod"/>
             </a:pPr>
             <a:r>
-              <a:rPr lang="en-US" sz="1200" dirty="0" err="1">
-                <a:solidFill>
-                  <a:schemeClr val="dk1"/>
-                </a:solidFill>
-                <a:latin typeface="+mj-lt"/>
-                <a:ea typeface="Rubik"/>
-                <a:cs typeface="Rubik"/>
-                <a:sym typeface="Rubik"/>
-              </a:rPr>
+              <a:rPr lang="en-ID" sz="1200" dirty="0" err="1"/>
               <a:t>Kategori</a:t>
             </a:r>
             <a:r>
-              <a:rPr lang="en-US" sz="1200" dirty="0">
-                <a:solidFill>
-                  <a:schemeClr val="dk1"/>
-                </a:solidFill>
-                <a:latin typeface="+mj-lt"/>
-                <a:ea typeface="Rubik"/>
-                <a:cs typeface="Rubik"/>
-                <a:sym typeface="Rubik"/>
-              </a:rPr>
-              <a:t> </a:t>
-            </a:r>
-            <a:r>
-              <a:rPr lang="en-US" sz="1200" dirty="0" err="1">
-                <a:solidFill>
-                  <a:schemeClr val="dk1"/>
-                </a:solidFill>
-                <a:latin typeface="+mj-lt"/>
-                <a:ea typeface="Rubik"/>
-                <a:cs typeface="Rubik"/>
-                <a:sym typeface="Rubik"/>
-              </a:rPr>
+              <a:rPr lang="en-ID" sz="1200" dirty="0"/>
+              <a:t> </a:t>
+            </a:r>
+            <a:r>
+              <a:rPr lang="en-ID" sz="1200" dirty="0" err="1"/>
               <a:t>robotik</a:t>
             </a:r>
             <a:r>
-              <a:rPr lang="en-US" sz="1200" dirty="0">
-                <a:solidFill>
-                  <a:schemeClr val="dk1"/>
-                </a:solidFill>
-                <a:latin typeface="+mj-lt"/>
-                <a:ea typeface="Rubik"/>
-                <a:cs typeface="Rubik"/>
-                <a:sym typeface="Rubik"/>
-              </a:rPr>
+              <a:rPr lang="en-ID" sz="1200" dirty="0"/>
               <a:t> (Robots, Robot Kits, Drones) </a:t>
             </a:r>
             <a:r>
-              <a:rPr lang="en-US" sz="1200" dirty="0" err="1">
-                <a:solidFill>
-                  <a:schemeClr val="dk1"/>
-                </a:solidFill>
-                <a:latin typeface="+mj-lt"/>
-                <a:ea typeface="Rubik"/>
-                <a:cs typeface="Rubik"/>
-                <a:sym typeface="Rubik"/>
-              </a:rPr>
+              <a:rPr lang="en-ID" sz="1200" dirty="0" err="1"/>
               <a:t>memberikan</a:t>
             </a:r>
             <a:r>
-              <a:rPr lang="en-US" sz="1200" dirty="0">
-                <a:solidFill>
-                  <a:schemeClr val="dk1"/>
-                </a:solidFill>
-                <a:latin typeface="+mj-lt"/>
-                <a:ea typeface="Rubik"/>
-                <a:cs typeface="Rubik"/>
-                <a:sym typeface="Rubik"/>
-              </a:rPr>
-              <a:t> </a:t>
-            </a:r>
-            <a:r>
-              <a:rPr lang="en-US" sz="1200" dirty="0" err="1">
-                <a:solidFill>
-                  <a:schemeClr val="dk1"/>
-                </a:solidFill>
-                <a:latin typeface="+mj-lt"/>
-                <a:ea typeface="Rubik"/>
-                <a:cs typeface="Rubik"/>
-                <a:sym typeface="Rubik"/>
-              </a:rPr>
+              <a:rPr lang="en-ID" sz="1200" dirty="0"/>
+              <a:t> </a:t>
+            </a:r>
+            <a:r>
+              <a:rPr lang="en-ID" sz="1200" dirty="0" err="1"/>
               <a:t>kontribusi</a:t>
             </a:r>
             <a:r>
-              <a:rPr lang="en-US" sz="1200" dirty="0">
-                <a:solidFill>
-                  <a:schemeClr val="dk1"/>
-                </a:solidFill>
-                <a:latin typeface="+mj-lt"/>
-                <a:ea typeface="Rubik"/>
-                <a:cs typeface="Rubik"/>
-                <a:sym typeface="Rubik"/>
-              </a:rPr>
-              <a:t> paling </a:t>
-            </a:r>
-            <a:r>
-              <a:rPr lang="en-US" sz="1200" dirty="0" err="1">
-                <a:solidFill>
-                  <a:schemeClr val="dk1"/>
-                </a:solidFill>
-                <a:latin typeface="+mj-lt"/>
-                <a:ea typeface="Rubik"/>
-                <a:cs typeface="Rubik"/>
-                <a:sym typeface="Rubik"/>
-              </a:rPr>
-              <a:t>besar</a:t>
-            </a:r>
-            <a:r>
-              <a:rPr lang="en-US" sz="1200" dirty="0">
-                <a:solidFill>
-                  <a:schemeClr val="dk1"/>
-                </a:solidFill>
-                <a:latin typeface="+mj-lt"/>
-                <a:ea typeface="Rubik"/>
-                <a:cs typeface="Rubik"/>
-                <a:sym typeface="Rubik"/>
-              </a:rPr>
-              <a:t> </a:t>
-            </a:r>
-            <a:r>
-              <a:rPr lang="en-US" sz="1200" dirty="0" err="1">
-                <a:solidFill>
-                  <a:schemeClr val="dk1"/>
-                </a:solidFill>
-                <a:latin typeface="+mj-lt"/>
-                <a:ea typeface="Rubik"/>
-                <a:cs typeface="Rubik"/>
-                <a:sym typeface="Rubik"/>
-              </a:rPr>
+              <a:rPr lang="en-ID" sz="1200" dirty="0"/>
+              <a:t> </a:t>
+            </a:r>
+            <a:r>
+              <a:rPr lang="en-ID" sz="1200" dirty="0" err="1"/>
+              <a:t>terbesar</a:t>
+            </a:r>
+            <a:r>
+              <a:rPr lang="en-ID" sz="1200" dirty="0"/>
+              <a:t> </a:t>
+            </a:r>
+            <a:r>
+              <a:rPr lang="en-ID" sz="1200" dirty="0" err="1"/>
               <a:t>terhadap</a:t>
             </a:r>
             <a:r>
-              <a:rPr lang="en-US" sz="1200" dirty="0">
-                <a:solidFill>
-                  <a:schemeClr val="dk1"/>
-                </a:solidFill>
-                <a:latin typeface="+mj-lt"/>
-                <a:ea typeface="Rubik"/>
-                <a:cs typeface="Rubik"/>
-                <a:sym typeface="Rubik"/>
-              </a:rPr>
-              <a:t> revenue </a:t>
-            </a:r>
-            <a:r>
-              <a:rPr lang="en-US" sz="1200" dirty="0" err="1">
-                <a:solidFill>
-                  <a:schemeClr val="dk1"/>
-                </a:solidFill>
-                <a:latin typeface="+mj-lt"/>
-                <a:ea typeface="Rubik"/>
-                <a:cs typeface="Rubik"/>
-                <a:sym typeface="Rubik"/>
-              </a:rPr>
+              <a:rPr lang="en-ID" sz="1200" dirty="0"/>
+              <a:t> revenue dan </a:t>
+            </a:r>
+            <a:r>
+              <a:rPr lang="en-ID" sz="1200" dirty="0" err="1"/>
+              <a:t>merupakan</a:t>
+            </a:r>
+            <a:r>
+              <a:rPr lang="en-ID" sz="1200" dirty="0"/>
+              <a:t> </a:t>
+            </a:r>
+            <a:r>
+              <a:rPr lang="en-ID" sz="1200" dirty="0" err="1"/>
+              <a:t>kategori</a:t>
+            </a:r>
+            <a:r>
+              <a:rPr lang="en-ID" sz="1200" dirty="0"/>
+              <a:t> inti </a:t>
+            </a:r>
+            <a:r>
+              <a:rPr lang="en-ID" sz="1200" dirty="0" err="1"/>
+              <a:t>bagi</a:t>
+            </a:r>
+            <a:r>
+              <a:rPr lang="en-ID" sz="1200" dirty="0"/>
+              <a:t> </a:t>
+            </a:r>
+            <a:r>
+              <a:rPr lang="en-ID" sz="1200" dirty="0" err="1"/>
               <a:t>perusahaan</a:t>
             </a:r>
             <a:r>
-              <a:rPr lang="en-US" sz="1200" dirty="0">
-                <a:solidFill>
-                  <a:schemeClr val="dk1"/>
-                </a:solidFill>
-                <a:latin typeface="+mj-lt"/>
-                <a:ea typeface="Rubik"/>
-                <a:cs typeface="Rubik"/>
-                <a:sym typeface="Rubik"/>
-              </a:rPr>
+              <a:rPr lang="en-ID" sz="1200" dirty="0"/>
+              <a:t>, </a:t>
+            </a:r>
+            <a:r>
+              <a:rPr lang="en-ID" sz="1200" dirty="0" err="1"/>
+              <a:t>namun</a:t>
+            </a:r>
+            <a:r>
+              <a:rPr lang="en-ID" sz="1200" dirty="0"/>
+              <a:t> </a:t>
+            </a:r>
+            <a:r>
+              <a:rPr lang="en-ID" sz="1200" dirty="0" err="1"/>
+              <a:t>tetap</a:t>
+            </a:r>
+            <a:r>
+              <a:rPr lang="en-ID" sz="1200" dirty="0"/>
+              <a:t> </a:t>
+            </a:r>
+            <a:r>
+              <a:rPr lang="en-ID" sz="1200" dirty="0" err="1"/>
+              <a:t>perlu</a:t>
+            </a:r>
+            <a:r>
+              <a:rPr lang="en-ID" sz="1200" dirty="0"/>
+              <a:t> </a:t>
+            </a:r>
+            <a:r>
+              <a:rPr lang="en-ID" sz="1200" dirty="0" err="1"/>
+              <a:t>diversifikasi</a:t>
+            </a:r>
+            <a:r>
+              <a:rPr lang="en-ID" sz="1200" dirty="0"/>
+              <a:t> </a:t>
+            </a:r>
+            <a:r>
+              <a:rPr lang="en-ID" sz="1200" dirty="0" err="1"/>
+              <a:t>untuk</a:t>
+            </a:r>
+            <a:r>
+              <a:rPr lang="en-ID" sz="1200" dirty="0"/>
+              <a:t> </a:t>
+            </a:r>
+            <a:r>
+              <a:rPr lang="en-ID" sz="1200" dirty="0" err="1"/>
+              <a:t>meminimalkan</a:t>
+            </a:r>
+            <a:r>
+              <a:rPr lang="en-ID" sz="1200" dirty="0"/>
+              <a:t> </a:t>
+            </a:r>
+            <a:r>
+              <a:rPr lang="en-ID" sz="1200" dirty="0" err="1"/>
+              <a:t>risiko</a:t>
+            </a:r>
+            <a:r>
+              <a:rPr lang="en-ID" sz="1200" dirty="0"/>
               <a:t>.</a:t>
             </a:r>
+            <a:endParaRPr lang="en-US" sz="1200" dirty="0">
+              <a:solidFill>
+                <a:schemeClr val="dk1"/>
+              </a:solidFill>
+              <a:latin typeface="+mj-lt"/>
+              <a:ea typeface="Rubik"/>
+              <a:cs typeface="Rubik"/>
+              <a:sym typeface="Rubik"/>
+            </a:endParaRPr>
           </a:p>
         </p:txBody>
       </p:sp>
@@ -9399,7 +9408,7 @@
         <p:spPr>
           <a:xfrm>
             <a:off x="340500" y="1335962"/>
-            <a:ext cx="8463000" cy="1846629"/>
+            <a:ext cx="8463000" cy="2954625"/>
           </a:xfrm>
           <a:prstGeom prst="rect">
             <a:avLst/>
@@ -9431,231 +9440,119 @@
               <a:buAutoNum type="arabicPeriod"/>
             </a:pPr>
             <a:r>
-              <a:rPr lang="en-US" sz="1200" dirty="0">
-                <a:solidFill>
-                  <a:schemeClr val="dk1"/>
-                </a:solidFill>
-                <a:latin typeface="+mj-lt"/>
-                <a:ea typeface="Rubik"/>
-                <a:cs typeface="Rubik"/>
-                <a:sym typeface="Rubik"/>
-              </a:rPr>
+              <a:rPr lang="en-ID" sz="1200" dirty="0"/>
               <a:t>Perusahaan </a:t>
             </a:r>
             <a:r>
-              <a:rPr lang="en-US" sz="1200" dirty="0" err="1">
-                <a:solidFill>
-                  <a:schemeClr val="dk1"/>
-                </a:solidFill>
-                <a:latin typeface="+mj-lt"/>
-                <a:ea typeface="Rubik"/>
-                <a:cs typeface="Rubik"/>
-                <a:sym typeface="Rubik"/>
-              </a:rPr>
+              <a:rPr lang="en-ID" sz="1200" dirty="0" err="1"/>
               <a:t>terlalu</a:t>
             </a:r>
             <a:r>
-              <a:rPr lang="en-US" sz="1200" dirty="0">
-                <a:solidFill>
-                  <a:schemeClr val="dk1"/>
-                </a:solidFill>
-                <a:latin typeface="+mj-lt"/>
-                <a:ea typeface="Rubik"/>
-                <a:cs typeface="Rubik"/>
-                <a:sym typeface="Rubik"/>
-              </a:rPr>
-              <a:t> </a:t>
-            </a:r>
-            <a:r>
-              <a:rPr lang="en-US" sz="1200" dirty="0" err="1">
-                <a:solidFill>
-                  <a:schemeClr val="dk1"/>
-                </a:solidFill>
-                <a:latin typeface="+mj-lt"/>
-                <a:ea typeface="Rubik"/>
-                <a:cs typeface="Rubik"/>
-                <a:sym typeface="Rubik"/>
-              </a:rPr>
+              <a:rPr lang="en-ID" sz="1200" dirty="0"/>
+              <a:t> </a:t>
+            </a:r>
+            <a:r>
+              <a:rPr lang="en-ID" sz="1200" dirty="0" err="1"/>
               <a:t>bergantung</a:t>
             </a:r>
             <a:r>
-              <a:rPr lang="en-US" sz="1200" dirty="0">
-                <a:solidFill>
-                  <a:schemeClr val="dk1"/>
-                </a:solidFill>
-                <a:latin typeface="+mj-lt"/>
-                <a:ea typeface="Rubik"/>
-                <a:cs typeface="Rubik"/>
-                <a:sym typeface="Rubik"/>
-              </a:rPr>
+              <a:rPr lang="en-ID" sz="1200" dirty="0"/>
               <a:t> pada </a:t>
             </a:r>
             <a:r>
-              <a:rPr lang="en-US" sz="1200" dirty="0" err="1">
-                <a:solidFill>
-                  <a:schemeClr val="dk1"/>
-                </a:solidFill>
-                <a:latin typeface="+mj-lt"/>
-                <a:ea typeface="Rubik"/>
-                <a:cs typeface="Rubik"/>
-                <a:sym typeface="Rubik"/>
-              </a:rPr>
+              <a:rPr lang="en-ID" sz="1200" dirty="0" err="1"/>
               <a:t>kategori</a:t>
             </a:r>
             <a:r>
-              <a:rPr lang="en-US" sz="1200" dirty="0">
-                <a:solidFill>
-                  <a:schemeClr val="dk1"/>
-                </a:solidFill>
-                <a:latin typeface="+mj-lt"/>
-                <a:ea typeface="Rubik"/>
-                <a:cs typeface="Rubik"/>
-                <a:sym typeface="Rubik"/>
-              </a:rPr>
-              <a:t> Robots dan Drones. Kalau </a:t>
-            </a:r>
-            <a:r>
-              <a:rPr lang="en-US" sz="1200" dirty="0" err="1">
-                <a:solidFill>
-                  <a:schemeClr val="dk1"/>
-                </a:solidFill>
-                <a:latin typeface="+mj-lt"/>
-                <a:ea typeface="Rubik"/>
-                <a:cs typeface="Rubik"/>
-                <a:sym typeface="Rubik"/>
-              </a:rPr>
+              <a:rPr lang="en-ID" sz="1200" dirty="0"/>
+              <a:t> Robots dan Drones. Jika </a:t>
+            </a:r>
+            <a:r>
+              <a:rPr lang="en-ID" sz="1200" dirty="0" err="1"/>
+              <a:t>terjadi</a:t>
+            </a:r>
+            <a:r>
+              <a:rPr lang="en-ID" sz="1200" dirty="0"/>
+              <a:t> </a:t>
+            </a:r>
+            <a:r>
+              <a:rPr lang="en-ID" sz="1200" dirty="0" err="1"/>
+              <a:t>penurunan</a:t>
+            </a:r>
+            <a:r>
+              <a:rPr lang="en-ID" sz="1200" dirty="0"/>
+              <a:t> </a:t>
+            </a:r>
+            <a:r>
+              <a:rPr lang="en-ID" sz="1200" dirty="0" err="1"/>
               <a:t>permintaan</a:t>
             </a:r>
             <a:r>
-              <a:rPr lang="en-US" sz="1200" dirty="0">
-                <a:solidFill>
-                  <a:schemeClr val="dk1"/>
-                </a:solidFill>
-                <a:latin typeface="+mj-lt"/>
-                <a:ea typeface="Rubik"/>
-                <a:cs typeface="Rubik"/>
-                <a:sym typeface="Rubik"/>
-              </a:rPr>
-              <a:t> </a:t>
-            </a:r>
-            <a:r>
-              <a:rPr lang="en-US" sz="1200" dirty="0" err="1">
-                <a:solidFill>
-                  <a:schemeClr val="dk1"/>
-                </a:solidFill>
-                <a:latin typeface="+mj-lt"/>
-                <a:ea typeface="Rubik"/>
-                <a:cs typeface="Rubik"/>
-                <a:sym typeface="Rubik"/>
-              </a:rPr>
-              <a:t>turun</a:t>
-            </a:r>
-            <a:r>
-              <a:rPr lang="en-US" sz="1200" dirty="0">
-                <a:solidFill>
-                  <a:schemeClr val="dk1"/>
-                </a:solidFill>
-                <a:latin typeface="+mj-lt"/>
-                <a:ea typeface="Rubik"/>
-                <a:cs typeface="Rubik"/>
-                <a:sym typeface="Rubik"/>
-              </a:rPr>
+              <a:rPr lang="en-ID" sz="1200" dirty="0"/>
+              <a:t> pada </a:t>
+            </a:r>
+            <a:r>
+              <a:rPr lang="en-ID" sz="1200" dirty="0" err="1"/>
+              <a:t>kategori</a:t>
+            </a:r>
+            <a:r>
+              <a:rPr lang="en-ID" sz="1200" dirty="0"/>
+              <a:t> </a:t>
+            </a:r>
+            <a:r>
+              <a:rPr lang="en-ID" sz="1200" dirty="0" err="1"/>
+              <a:t>ini</a:t>
+            </a:r>
+            <a:r>
+              <a:rPr lang="en-ID" sz="1200" dirty="0"/>
               <a:t>, </a:t>
             </a:r>
             <a:r>
-              <a:rPr lang="en-US" sz="1200" dirty="0" err="1">
-                <a:solidFill>
-                  <a:schemeClr val="dk1"/>
-                </a:solidFill>
-                <a:latin typeface="+mj-lt"/>
-                <a:ea typeface="Rubik"/>
-                <a:cs typeface="Rubik"/>
-                <a:sym typeface="Rubik"/>
-              </a:rPr>
+              <a:rPr lang="en-ID" sz="1200" dirty="0" err="1"/>
               <a:t>pendapatan</a:t>
             </a:r>
             <a:r>
-              <a:rPr lang="en-US" sz="1200" dirty="0">
-                <a:solidFill>
-                  <a:schemeClr val="dk1"/>
-                </a:solidFill>
-                <a:latin typeface="+mj-lt"/>
-                <a:ea typeface="Rubik"/>
-                <a:cs typeface="Rubik"/>
-                <a:sym typeface="Rubik"/>
-              </a:rPr>
-              <a:t> </a:t>
-            </a:r>
-            <a:r>
-              <a:rPr lang="en-US" sz="1200" dirty="0" err="1">
-                <a:solidFill>
-                  <a:schemeClr val="dk1"/>
-                </a:solidFill>
-                <a:latin typeface="+mj-lt"/>
-                <a:ea typeface="Rubik"/>
-                <a:cs typeface="Rubik"/>
-                <a:sym typeface="Rubik"/>
-              </a:rPr>
-              <a:t>bisa</a:t>
-            </a:r>
-            <a:r>
-              <a:rPr lang="en-US" sz="1200" dirty="0">
-                <a:solidFill>
-                  <a:schemeClr val="dk1"/>
-                </a:solidFill>
-                <a:latin typeface="+mj-lt"/>
-                <a:ea typeface="Rubik"/>
-                <a:cs typeface="Rubik"/>
-                <a:sym typeface="Rubik"/>
-              </a:rPr>
-              <a:t> </a:t>
-            </a:r>
-            <a:r>
-              <a:rPr lang="en-US" sz="1200" dirty="0" err="1">
-                <a:solidFill>
-                  <a:schemeClr val="dk1"/>
-                </a:solidFill>
-                <a:latin typeface="+mj-lt"/>
-                <a:ea typeface="Rubik"/>
-                <a:cs typeface="Rubik"/>
-                <a:sym typeface="Rubik"/>
-              </a:rPr>
-              <a:t>langsung</a:t>
-            </a:r>
-            <a:r>
-              <a:rPr lang="en-US" sz="1200" dirty="0">
-                <a:solidFill>
-                  <a:schemeClr val="dk1"/>
-                </a:solidFill>
-                <a:latin typeface="+mj-lt"/>
-                <a:ea typeface="Rubik"/>
-                <a:cs typeface="Rubik"/>
-                <a:sym typeface="Rubik"/>
-              </a:rPr>
-              <a:t> </a:t>
-            </a:r>
-            <a:r>
-              <a:rPr lang="en-US" sz="1200" dirty="0" err="1">
-                <a:solidFill>
-                  <a:schemeClr val="dk1"/>
-                </a:solidFill>
-                <a:latin typeface="+mj-lt"/>
-                <a:ea typeface="Rubik"/>
-                <a:cs typeface="Rubik"/>
-                <a:sym typeface="Rubik"/>
-              </a:rPr>
-              <a:t>terdampak</a:t>
-            </a:r>
-            <a:r>
-              <a:rPr lang="en-US" sz="1200" dirty="0">
-                <a:solidFill>
-                  <a:schemeClr val="dk1"/>
-                </a:solidFill>
-                <a:latin typeface="+mj-lt"/>
-                <a:ea typeface="Rubik"/>
-                <a:cs typeface="Rubik"/>
-                <a:sym typeface="Rubik"/>
-              </a:rPr>
+              <a:rPr lang="en-ID" sz="1200" dirty="0"/>
+              <a:t> </a:t>
+            </a:r>
+            <a:r>
+              <a:rPr lang="en-ID" sz="1200" dirty="0" err="1"/>
+              <a:t>perusahaan</a:t>
+            </a:r>
+            <a:r>
+              <a:rPr lang="en-ID" sz="1200" dirty="0"/>
+              <a:t> </a:t>
+            </a:r>
+            <a:r>
+              <a:rPr lang="en-ID" sz="1200" dirty="0" err="1"/>
+              <a:t>dapat</a:t>
+            </a:r>
+            <a:r>
+              <a:rPr lang="en-ID" sz="1200" dirty="0"/>
+              <a:t> </a:t>
+            </a:r>
+            <a:r>
+              <a:rPr lang="en-ID" sz="1200" dirty="0" err="1"/>
+              <a:t>terpengaruh</a:t>
+            </a:r>
+            <a:r>
+              <a:rPr lang="en-ID" sz="1200" dirty="0"/>
+              <a:t> </a:t>
+            </a:r>
+            <a:r>
+              <a:rPr lang="en-ID" sz="1200" dirty="0" err="1"/>
+              <a:t>secara</a:t>
+            </a:r>
+            <a:r>
+              <a:rPr lang="en-ID" sz="1200" dirty="0"/>
+              <a:t> </a:t>
+            </a:r>
+            <a:r>
+              <a:rPr lang="en-ID" sz="1200" dirty="0" err="1"/>
+              <a:t>signifikan</a:t>
+            </a:r>
+            <a:r>
+              <a:rPr lang="en-ID" sz="1200" dirty="0"/>
               <a:t>.</a:t>
             </a:r>
           </a:p>
@@ -9669,292 +9566,148 @@
               <a:buAutoNum type="arabicPeriod"/>
             </a:pPr>
             <a:r>
-              <a:rPr lang="en-US" sz="1200" dirty="0" err="1">
-                <a:solidFill>
-                  <a:schemeClr val="dk1"/>
-                </a:solidFill>
-                <a:latin typeface="+mj-lt"/>
-                <a:ea typeface="Rubik"/>
-                <a:cs typeface="Rubik"/>
-                <a:sym typeface="Rubik"/>
-              </a:rPr>
+              <a:rPr lang="en-ID" sz="1200" dirty="0" err="1"/>
               <a:t>Produk</a:t>
             </a:r>
             <a:r>
-              <a:rPr lang="en-US" sz="1200" dirty="0">
-                <a:solidFill>
-                  <a:schemeClr val="dk1"/>
-                </a:solidFill>
-                <a:latin typeface="+mj-lt"/>
-                <a:ea typeface="Rubik"/>
-                <a:cs typeface="Rubik"/>
-                <a:sym typeface="Rubik"/>
-              </a:rPr>
+              <a:rPr lang="en-ID" sz="1200" dirty="0"/>
               <a:t> digital </a:t>
             </a:r>
             <a:r>
-              <a:rPr lang="en-US" sz="1200" dirty="0" err="1">
-                <a:solidFill>
-                  <a:schemeClr val="dk1"/>
-                </a:solidFill>
-                <a:latin typeface="+mj-lt"/>
-                <a:ea typeface="Rubik"/>
-                <a:cs typeface="Rubik"/>
-                <a:sym typeface="Rubik"/>
-              </a:rPr>
+              <a:rPr lang="en-ID" sz="1200" dirty="0" err="1"/>
               <a:t>meskipun</a:t>
             </a:r>
             <a:r>
-              <a:rPr lang="en-US" sz="1200" dirty="0">
-                <a:solidFill>
-                  <a:schemeClr val="dk1"/>
-                </a:solidFill>
-                <a:latin typeface="+mj-lt"/>
-                <a:ea typeface="Rubik"/>
-                <a:cs typeface="Rubik"/>
-                <a:sym typeface="Rubik"/>
-              </a:rPr>
-              <a:t> </a:t>
-            </a:r>
-            <a:r>
-              <a:rPr lang="en-US" sz="1200" dirty="0" err="1">
-                <a:solidFill>
-                  <a:schemeClr val="dk1"/>
-                </a:solidFill>
-                <a:latin typeface="+mj-lt"/>
-                <a:ea typeface="Rubik"/>
-                <a:cs typeface="Rubik"/>
-                <a:sym typeface="Rubik"/>
-              </a:rPr>
-              <a:t>laku</a:t>
-            </a:r>
-            <a:r>
-              <a:rPr lang="en-US" sz="1200" dirty="0">
-                <a:solidFill>
-                  <a:schemeClr val="dk1"/>
-                </a:solidFill>
-                <a:latin typeface="+mj-lt"/>
-                <a:ea typeface="Rubik"/>
-                <a:cs typeface="Rubik"/>
-                <a:sym typeface="Rubik"/>
-              </a:rPr>
-              <a:t> </a:t>
-            </a:r>
-            <a:r>
-              <a:rPr lang="en-US" sz="1200" dirty="0" err="1">
-                <a:solidFill>
-                  <a:schemeClr val="dk1"/>
-                </a:solidFill>
-                <a:latin typeface="+mj-lt"/>
-                <a:ea typeface="Rubik"/>
-                <a:cs typeface="Rubik"/>
-                <a:sym typeface="Rubik"/>
-              </a:rPr>
-              <a:t>banyak</a:t>
-            </a:r>
-            <a:r>
-              <a:rPr lang="en-US" sz="1200" dirty="0">
-                <a:solidFill>
-                  <a:schemeClr val="dk1"/>
-                </a:solidFill>
-                <a:latin typeface="+mj-lt"/>
-                <a:ea typeface="Rubik"/>
-                <a:cs typeface="Rubik"/>
-                <a:sym typeface="Rubik"/>
-              </a:rPr>
+              <a:rPr lang="en-ID" sz="1200" dirty="0"/>
+              <a:t> </a:t>
+            </a:r>
+            <a:r>
+              <a:rPr lang="en-ID" sz="1200" dirty="0" err="1"/>
+              <a:t>memiliki</a:t>
+            </a:r>
+            <a:r>
+              <a:rPr lang="en-ID" sz="1200" dirty="0"/>
+              <a:t> volume </a:t>
+            </a:r>
+            <a:r>
+              <a:rPr lang="en-ID" sz="1200" dirty="0" err="1"/>
+              <a:t>pembelian</a:t>
+            </a:r>
+            <a:r>
+              <a:rPr lang="en-ID" sz="1200" dirty="0"/>
+              <a:t> </a:t>
+            </a:r>
+            <a:r>
+              <a:rPr lang="en-ID" sz="1200" dirty="0" err="1"/>
+              <a:t>tinggi</a:t>
+            </a:r>
+            <a:r>
+              <a:rPr lang="en-ID" sz="1200" dirty="0"/>
               <a:t>, </a:t>
             </a:r>
             <a:r>
-              <a:rPr lang="en-US" sz="1200" dirty="0" err="1">
-                <a:solidFill>
-                  <a:schemeClr val="dk1"/>
-                </a:solidFill>
-                <a:latin typeface="+mj-lt"/>
-                <a:ea typeface="Rubik"/>
-                <a:cs typeface="Rubik"/>
-                <a:sym typeface="Rubik"/>
-              </a:rPr>
+              <a:rPr lang="en-ID" sz="1200" dirty="0" err="1"/>
+              <a:t>namun</a:t>
+            </a:r>
+            <a:r>
+              <a:rPr lang="en-ID" sz="1200" dirty="0"/>
+              <a:t> </a:t>
+            </a:r>
+            <a:r>
+              <a:rPr lang="en-ID" sz="1200" dirty="0" err="1"/>
               <a:t>nilai</a:t>
             </a:r>
             <a:r>
-              <a:rPr lang="en-US" sz="1200" dirty="0">
-                <a:solidFill>
-                  <a:schemeClr val="dk1"/>
-                </a:solidFill>
-                <a:latin typeface="+mj-lt"/>
-                <a:ea typeface="Rubik"/>
-                <a:cs typeface="Rubik"/>
-                <a:sym typeface="Rubik"/>
-              </a:rPr>
-              <a:t> </a:t>
-            </a:r>
-            <a:r>
-              <a:rPr lang="en-US" sz="1200" dirty="0" err="1">
-                <a:solidFill>
-                  <a:schemeClr val="dk1"/>
-                </a:solidFill>
-                <a:latin typeface="+mj-lt"/>
-                <a:ea typeface="Rubik"/>
-                <a:cs typeface="Rubik"/>
-                <a:sym typeface="Rubik"/>
-              </a:rPr>
+              <a:rPr lang="en-ID" sz="1200" dirty="0"/>
+              <a:t> total </a:t>
+            </a:r>
+            <a:r>
+              <a:rPr lang="en-ID" sz="1200" dirty="0" err="1"/>
               <a:t>penjualannya</a:t>
             </a:r>
             <a:r>
-              <a:rPr lang="en-US" sz="1200" dirty="0">
-                <a:solidFill>
-                  <a:schemeClr val="dk1"/>
-                </a:solidFill>
-                <a:latin typeface="+mj-lt"/>
-                <a:ea typeface="Rubik"/>
-                <a:cs typeface="Rubik"/>
-                <a:sym typeface="Rubik"/>
-              </a:rPr>
-              <a:t> </a:t>
-            </a:r>
-            <a:r>
-              <a:rPr lang="en-US" sz="1200" dirty="0" err="1">
-                <a:solidFill>
-                  <a:schemeClr val="dk1"/>
-                </a:solidFill>
-                <a:latin typeface="+mj-lt"/>
-                <a:ea typeface="Rubik"/>
-                <a:cs typeface="Rubik"/>
-                <a:sym typeface="Rubik"/>
-              </a:rPr>
-              <a:t>kecil</a:t>
-            </a:r>
-            <a:r>
-              <a:rPr lang="en-US" sz="1200" dirty="0">
-                <a:solidFill>
-                  <a:schemeClr val="dk1"/>
-                </a:solidFill>
-                <a:latin typeface="+mj-lt"/>
-                <a:ea typeface="Rubik"/>
-                <a:cs typeface="Rubik"/>
-                <a:sym typeface="Rubik"/>
-              </a:rPr>
-              <a:t> </a:t>
-            </a:r>
-            <a:r>
-              <a:rPr lang="en-US" sz="1200" dirty="0" err="1">
-                <a:solidFill>
-                  <a:schemeClr val="dk1"/>
-                </a:solidFill>
-                <a:latin typeface="+mj-lt"/>
-                <a:ea typeface="Rubik"/>
-                <a:cs typeface="Rubik"/>
-                <a:sym typeface="Rubik"/>
-              </a:rPr>
-              <a:t>sehingga</a:t>
-            </a:r>
-            <a:r>
-              <a:rPr lang="en-US" sz="1200" dirty="0">
-                <a:solidFill>
-                  <a:schemeClr val="dk1"/>
-                </a:solidFill>
-                <a:latin typeface="+mj-lt"/>
-                <a:ea typeface="Rubik"/>
-                <a:cs typeface="Rubik"/>
-                <a:sym typeface="Rubik"/>
-              </a:rPr>
-              <a:t> </a:t>
-            </a:r>
-            <a:r>
-              <a:rPr lang="en-US" sz="1200" dirty="0" err="1">
-                <a:solidFill>
-                  <a:schemeClr val="dk1"/>
-                </a:solidFill>
-                <a:latin typeface="+mj-lt"/>
-                <a:ea typeface="Rubik"/>
-                <a:cs typeface="Rubik"/>
-                <a:sym typeface="Rubik"/>
-              </a:rPr>
+              <a:rPr lang="en-ID" sz="1200" dirty="0"/>
+              <a:t> </a:t>
+            </a:r>
+            <a:r>
+              <a:rPr lang="en-ID" sz="1200" dirty="0" err="1"/>
+              <a:t>rendah</a:t>
+            </a:r>
+            <a:r>
+              <a:rPr lang="en-ID" sz="1200" dirty="0"/>
+              <a:t> </a:t>
+            </a:r>
+            <a:r>
+              <a:rPr lang="en-ID" sz="1200" dirty="0" err="1"/>
+              <a:t>karena</a:t>
+            </a:r>
+            <a:r>
+              <a:rPr lang="en-ID" sz="1200" dirty="0"/>
+              <a:t> </a:t>
+            </a:r>
+            <a:r>
+              <a:rPr lang="en-ID" sz="1200" dirty="0" err="1"/>
+              <a:t>harga</a:t>
+            </a:r>
+            <a:r>
+              <a:rPr lang="en-ID" sz="1200" dirty="0"/>
+              <a:t> </a:t>
+            </a:r>
+            <a:r>
+              <a:rPr lang="en-ID" sz="1200" dirty="0" err="1"/>
+              <a:t>produk</a:t>
+            </a:r>
+            <a:r>
+              <a:rPr lang="en-ID" sz="1200" dirty="0"/>
+              <a:t> yang </a:t>
+            </a:r>
+            <a:r>
+              <a:rPr lang="en-ID" sz="1200" dirty="0" err="1"/>
+              <a:t>murah</a:t>
+            </a:r>
+            <a:r>
+              <a:rPr lang="en-ID" sz="1200" dirty="0"/>
+              <a:t>. Hal </a:t>
+            </a:r>
+            <a:r>
+              <a:rPr lang="en-ID" sz="1200" dirty="0" err="1"/>
+              <a:t>ini</a:t>
+            </a:r>
+            <a:r>
+              <a:rPr lang="en-ID" sz="1200" dirty="0"/>
+              <a:t> </a:t>
+            </a:r>
+            <a:r>
+              <a:rPr lang="en-ID" sz="1200" dirty="0" err="1"/>
+              <a:t>membuat</a:t>
+            </a:r>
+            <a:r>
+              <a:rPr lang="en-ID" sz="1200" dirty="0"/>
+              <a:t> </a:t>
+            </a:r>
+            <a:r>
+              <a:rPr lang="en-ID" sz="1200" dirty="0" err="1"/>
+              <a:t>kontribusinya</a:t>
+            </a:r>
+            <a:r>
+              <a:rPr lang="en-ID" sz="1200" dirty="0"/>
+              <a:t> </a:t>
+            </a:r>
+            <a:r>
+              <a:rPr lang="en-ID" sz="1200" dirty="0" err="1"/>
+              <a:t>terhadap</a:t>
+            </a:r>
+            <a:r>
+              <a:rPr lang="en-ID" sz="1200" dirty="0"/>
+              <a:t> revenue </a:t>
+            </a:r>
+            <a:r>
+              <a:rPr lang="en-ID" sz="1200" dirty="0" err="1"/>
               <a:t>tidak</a:t>
             </a:r>
             <a:r>
-              <a:rPr lang="en-US" sz="1200" dirty="0">
-                <a:solidFill>
-                  <a:schemeClr val="dk1"/>
-                </a:solidFill>
-                <a:latin typeface="+mj-lt"/>
-                <a:ea typeface="Rubik"/>
-                <a:cs typeface="Rubik"/>
-                <a:sym typeface="Rubik"/>
-              </a:rPr>
-              <a:t> </a:t>
-            </a:r>
-            <a:r>
-              <a:rPr lang="en-US" sz="1200" dirty="0" err="1">
-                <a:solidFill>
-                  <a:schemeClr val="dk1"/>
-                </a:solidFill>
-                <a:latin typeface="+mj-lt"/>
-                <a:ea typeface="Rubik"/>
-                <a:cs typeface="Rubik"/>
-                <a:sym typeface="Rubik"/>
-              </a:rPr>
-              <a:t>terlalu</a:t>
-            </a:r>
-            <a:r>
-              <a:rPr lang="en-US" sz="1200" dirty="0">
-                <a:solidFill>
-                  <a:schemeClr val="dk1"/>
-                </a:solidFill>
-                <a:latin typeface="+mj-lt"/>
-                <a:ea typeface="Rubik"/>
-                <a:cs typeface="Rubik"/>
-                <a:sym typeface="Rubik"/>
-              </a:rPr>
-              <a:t> </a:t>
-            </a:r>
-            <a:r>
-              <a:rPr lang="en-US" sz="1200" dirty="0" err="1">
-                <a:solidFill>
-                  <a:schemeClr val="dk1"/>
-                </a:solidFill>
-                <a:latin typeface="+mj-lt"/>
-                <a:ea typeface="Rubik"/>
-                <a:cs typeface="Rubik"/>
-                <a:sym typeface="Rubik"/>
-              </a:rPr>
-              <a:t>berpengaruh</a:t>
-            </a:r>
-            <a:r>
-              <a:rPr lang="en-US" sz="1200" dirty="0">
-                <a:solidFill>
-                  <a:schemeClr val="dk1"/>
-                </a:solidFill>
-                <a:latin typeface="+mj-lt"/>
-                <a:ea typeface="Rubik"/>
-                <a:cs typeface="Rubik"/>
-                <a:sym typeface="Rubik"/>
-              </a:rPr>
-              <a:t> </a:t>
-            </a:r>
-            <a:r>
-              <a:rPr lang="en-US" sz="1200" dirty="0" err="1">
-                <a:solidFill>
-                  <a:schemeClr val="dk1"/>
-                </a:solidFill>
-                <a:latin typeface="+mj-lt"/>
-                <a:ea typeface="Rubik"/>
-                <a:cs typeface="Rubik"/>
-                <a:sym typeface="Rubik"/>
-              </a:rPr>
-              <a:t>ke</a:t>
-            </a:r>
-            <a:r>
-              <a:rPr lang="en-US" sz="1200" dirty="0">
-                <a:solidFill>
-                  <a:schemeClr val="dk1"/>
-                </a:solidFill>
-                <a:latin typeface="+mj-lt"/>
-                <a:ea typeface="Rubik"/>
-                <a:cs typeface="Rubik"/>
-                <a:sym typeface="Rubik"/>
-              </a:rPr>
-              <a:t> total sales.</a:t>
+              <a:rPr lang="en-ID" sz="1200" dirty="0"/>
+              <a:t> optimal.</a:t>
             </a:r>
           </a:p>
           <a:p>
@@ -9967,292 +9720,267 @@
               <a:buAutoNum type="arabicPeriod"/>
             </a:pPr>
             <a:r>
-              <a:rPr lang="en-US" sz="1200" dirty="0" err="1">
-                <a:solidFill>
-                  <a:schemeClr val="dk1"/>
-                </a:solidFill>
-                <a:latin typeface="+mj-lt"/>
-                <a:ea typeface="Rubik"/>
-                <a:cs typeface="Rubik"/>
-                <a:sym typeface="Rubik"/>
-              </a:rPr>
+              <a:rPr lang="en-ID" sz="1200" dirty="0" err="1"/>
               <a:t>Penjualan</a:t>
             </a:r>
             <a:r>
-              <a:rPr lang="en-US" sz="1200" dirty="0">
-                <a:solidFill>
-                  <a:schemeClr val="dk1"/>
-                </a:solidFill>
-                <a:latin typeface="+mj-lt"/>
-                <a:ea typeface="Rubik"/>
-                <a:cs typeface="Rubik"/>
-                <a:sym typeface="Rubik"/>
-              </a:rPr>
-              <a:t> </a:t>
-            </a:r>
-            <a:r>
-              <a:rPr lang="en-US" sz="1200" dirty="0" err="1">
-                <a:solidFill>
-                  <a:schemeClr val="dk1"/>
-                </a:solidFill>
-                <a:latin typeface="+mj-lt"/>
-                <a:ea typeface="Rubik"/>
-                <a:cs typeface="Rubik"/>
-                <a:sym typeface="Rubik"/>
-              </a:rPr>
+              <a:rPr lang="en-ID" sz="1200" dirty="0"/>
+              <a:t> </a:t>
+            </a:r>
+            <a:r>
+              <a:rPr lang="en-ID" sz="1200" dirty="0" err="1"/>
               <a:t>masih</a:t>
             </a:r>
             <a:r>
-              <a:rPr lang="en-US" sz="1200" dirty="0">
-                <a:solidFill>
-                  <a:schemeClr val="dk1"/>
-                </a:solidFill>
-                <a:latin typeface="+mj-lt"/>
-                <a:ea typeface="Rubik"/>
-                <a:cs typeface="Rubik"/>
-                <a:sym typeface="Rubik"/>
-              </a:rPr>
-              <a:t> </a:t>
-            </a:r>
-            <a:r>
-              <a:rPr lang="en-US" sz="1200" dirty="0" err="1">
-                <a:solidFill>
-                  <a:schemeClr val="dk1"/>
-                </a:solidFill>
-                <a:latin typeface="+mj-lt"/>
-                <a:ea typeface="Rubik"/>
-                <a:cs typeface="Rubik"/>
-                <a:sym typeface="Rubik"/>
-              </a:rPr>
+              <a:rPr lang="en-ID" sz="1200" dirty="0"/>
+              <a:t> </a:t>
+            </a:r>
+            <a:r>
+              <a:rPr lang="en-ID" sz="1200" dirty="0" err="1"/>
               <a:t>terpusat</a:t>
             </a:r>
             <a:r>
-              <a:rPr lang="en-US" sz="1200" dirty="0">
-                <a:solidFill>
-                  <a:schemeClr val="dk1"/>
-                </a:solidFill>
-                <a:latin typeface="+mj-lt"/>
-                <a:ea typeface="Rubik"/>
-                <a:cs typeface="Rubik"/>
-                <a:sym typeface="Rubik"/>
-              </a:rPr>
+              <a:rPr lang="en-ID" sz="1200" dirty="0"/>
               <a:t> di </a:t>
             </a:r>
             <a:r>
-              <a:rPr lang="en-US" sz="1200" dirty="0" err="1">
-                <a:solidFill>
-                  <a:schemeClr val="dk1"/>
-                </a:solidFill>
-                <a:latin typeface="+mj-lt"/>
-                <a:ea typeface="Rubik"/>
-                <a:cs typeface="Rubik"/>
-                <a:sym typeface="Rubik"/>
-              </a:rPr>
+              <a:rPr lang="en-ID" sz="1200" dirty="0" err="1"/>
               <a:t>beberapa</a:t>
             </a:r>
             <a:r>
-              <a:rPr lang="en-US" sz="1200" dirty="0">
-                <a:solidFill>
-                  <a:schemeClr val="dk1"/>
-                </a:solidFill>
-                <a:latin typeface="+mj-lt"/>
-                <a:ea typeface="Rubik"/>
-                <a:cs typeface="Rubik"/>
-                <a:sym typeface="Rubik"/>
-              </a:rPr>
-              <a:t> </a:t>
-            </a:r>
-            <a:r>
-              <a:rPr lang="en-US" sz="1200" dirty="0" err="1">
-                <a:solidFill>
-                  <a:schemeClr val="dk1"/>
-                </a:solidFill>
-                <a:latin typeface="+mj-lt"/>
-                <a:ea typeface="Rubik"/>
-                <a:cs typeface="Rubik"/>
-                <a:sym typeface="Rubik"/>
-              </a:rPr>
+              <a:rPr lang="en-ID" sz="1200" dirty="0"/>
+              <a:t> </a:t>
+            </a:r>
+            <a:r>
+              <a:rPr lang="en-ID" sz="1200" dirty="0" err="1"/>
               <a:t>kota</a:t>
             </a:r>
             <a:r>
-              <a:rPr lang="en-US" sz="1200" dirty="0">
-                <a:solidFill>
-                  <a:schemeClr val="dk1"/>
-                </a:solidFill>
-                <a:latin typeface="+mj-lt"/>
-                <a:ea typeface="Rubik"/>
-                <a:cs typeface="Rubik"/>
-                <a:sym typeface="Rubik"/>
-              </a:rPr>
-              <a:t> </a:t>
-            </a:r>
-            <a:r>
-              <a:rPr lang="en-US" sz="1200" dirty="0" err="1">
-                <a:solidFill>
-                  <a:schemeClr val="dk1"/>
-                </a:solidFill>
-                <a:latin typeface="+mj-lt"/>
-                <a:ea typeface="Rubik"/>
-                <a:cs typeface="Rubik"/>
-                <a:sym typeface="Rubik"/>
-              </a:rPr>
-              <a:t>saja</a:t>
-            </a:r>
-            <a:r>
-              <a:rPr lang="en-US" sz="1200" dirty="0">
-                <a:solidFill>
-                  <a:schemeClr val="dk1"/>
-                </a:solidFill>
-                <a:latin typeface="+mj-lt"/>
-                <a:ea typeface="Rubik"/>
-                <a:cs typeface="Rubik"/>
-                <a:sym typeface="Rubik"/>
-              </a:rPr>
-              <a:t> wilayah lain </a:t>
-            </a:r>
-            <a:r>
-              <a:rPr lang="en-US" sz="1200" dirty="0" err="1">
-                <a:solidFill>
-                  <a:schemeClr val="dk1"/>
-                </a:solidFill>
-                <a:latin typeface="+mj-lt"/>
-                <a:ea typeface="Rubik"/>
-                <a:cs typeface="Rubik"/>
-                <a:sym typeface="Rubik"/>
-              </a:rPr>
-              <a:t>sebenarnya</a:t>
-            </a:r>
-            <a:r>
-              <a:rPr lang="en-US" sz="1200" dirty="0">
-                <a:solidFill>
-                  <a:schemeClr val="dk1"/>
-                </a:solidFill>
-                <a:latin typeface="+mj-lt"/>
-                <a:ea typeface="Rubik"/>
-                <a:cs typeface="Rubik"/>
-                <a:sym typeface="Rubik"/>
-              </a:rPr>
-              <a:t> </a:t>
-            </a:r>
-            <a:r>
-              <a:rPr lang="en-US" sz="1200" dirty="0" err="1">
-                <a:solidFill>
-                  <a:schemeClr val="dk1"/>
-                </a:solidFill>
-                <a:latin typeface="+mj-lt"/>
-                <a:ea typeface="Rubik"/>
-                <a:cs typeface="Rubik"/>
-                <a:sym typeface="Rubik"/>
-              </a:rPr>
-              <a:t>masih</a:t>
-            </a:r>
-            <a:r>
-              <a:rPr lang="en-US" sz="1200" dirty="0">
-                <a:solidFill>
-                  <a:schemeClr val="dk1"/>
-                </a:solidFill>
-                <a:latin typeface="+mj-lt"/>
-                <a:ea typeface="Rubik"/>
-                <a:cs typeface="Rubik"/>
-                <a:sym typeface="Rubik"/>
-              </a:rPr>
-              <a:t> punya </a:t>
-            </a:r>
-            <a:r>
-              <a:rPr lang="en-US" sz="1200" dirty="0" err="1">
-                <a:solidFill>
-                  <a:schemeClr val="dk1"/>
-                </a:solidFill>
-                <a:latin typeface="+mj-lt"/>
-                <a:ea typeface="Rubik"/>
-                <a:cs typeface="Rubik"/>
-                <a:sym typeface="Rubik"/>
-              </a:rPr>
-              <a:t>peluang</a:t>
-            </a:r>
-            <a:r>
-              <a:rPr lang="en-US" sz="1200" dirty="0">
-                <a:solidFill>
-                  <a:schemeClr val="dk1"/>
-                </a:solidFill>
-                <a:latin typeface="+mj-lt"/>
-                <a:ea typeface="Rubik"/>
-                <a:cs typeface="Rubik"/>
-                <a:sym typeface="Rubik"/>
-              </a:rPr>
-              <a:t> </a:t>
-            </a:r>
-            <a:r>
-              <a:rPr lang="en-US" sz="1200" dirty="0" err="1">
-                <a:solidFill>
-                  <a:schemeClr val="dk1"/>
-                </a:solidFill>
-                <a:latin typeface="+mj-lt"/>
-                <a:ea typeface="Rubik"/>
-                <a:cs typeface="Rubik"/>
-                <a:sym typeface="Rubik"/>
-              </a:rPr>
-              <a:t>tapi</a:t>
-            </a:r>
-            <a:r>
-              <a:rPr lang="en-US" sz="1200" dirty="0">
-                <a:solidFill>
-                  <a:schemeClr val="dk1"/>
-                </a:solidFill>
-                <a:latin typeface="+mj-lt"/>
-                <a:ea typeface="Rubik"/>
-                <a:cs typeface="Rubik"/>
-                <a:sym typeface="Rubik"/>
-              </a:rPr>
-              <a:t> </a:t>
-            </a:r>
-            <a:r>
-              <a:rPr lang="en-US" sz="1200" dirty="0" err="1">
-                <a:solidFill>
-                  <a:schemeClr val="dk1"/>
-                </a:solidFill>
-                <a:latin typeface="+mj-lt"/>
-                <a:ea typeface="Rubik"/>
-                <a:cs typeface="Rubik"/>
-                <a:sym typeface="Rubik"/>
-              </a:rPr>
-              <a:t>belum</a:t>
-            </a:r>
-            <a:r>
-              <a:rPr lang="en-US" sz="1200" dirty="0">
-                <a:solidFill>
-                  <a:schemeClr val="dk1"/>
-                </a:solidFill>
-                <a:latin typeface="+mj-lt"/>
-                <a:ea typeface="Rubik"/>
-                <a:cs typeface="Rubik"/>
-                <a:sym typeface="Rubik"/>
-              </a:rPr>
-              <a:t> </a:t>
-            </a:r>
-            <a:r>
-              <a:rPr lang="en-US" sz="1200" dirty="0" err="1">
-                <a:solidFill>
-                  <a:schemeClr val="dk1"/>
-                </a:solidFill>
-                <a:latin typeface="+mj-lt"/>
-                <a:ea typeface="Rubik"/>
-                <a:cs typeface="Rubik"/>
-                <a:sym typeface="Rubik"/>
-              </a:rPr>
-              <a:t>tergarap</a:t>
-            </a:r>
-            <a:r>
-              <a:rPr lang="en-US" sz="1200" dirty="0">
-                <a:solidFill>
-                  <a:schemeClr val="dk1"/>
-                </a:solidFill>
-                <a:latin typeface="+mj-lt"/>
-                <a:ea typeface="Rubik"/>
-                <a:cs typeface="Rubik"/>
-                <a:sym typeface="Rubik"/>
-              </a:rPr>
-              <a:t>.</a:t>
+              <a:rPr lang="en-ID" sz="1200" dirty="0"/>
+              <a:t> </a:t>
+            </a:r>
+            <a:r>
+              <a:rPr lang="en-ID" sz="1200" dirty="0" err="1"/>
+              <a:t>tertentu</a:t>
+            </a:r>
+            <a:r>
+              <a:rPr lang="en-ID" sz="1200" dirty="0"/>
+              <a:t> </a:t>
+            </a:r>
+            <a:r>
+              <a:rPr lang="en-ID" sz="1200" dirty="0" err="1"/>
+              <a:t>seperti</a:t>
+            </a:r>
+            <a:r>
+              <a:rPr lang="en-ID" sz="1200" dirty="0"/>
+              <a:t> Washington dan Houston.</a:t>
+            </a:r>
+            <a:br>
+              <a:rPr lang="en-ID" sz="1200" dirty="0"/>
+            </a:br>
+            <a:r>
+              <a:rPr lang="en-ID" sz="1200" b="1" dirty="0" err="1"/>
+              <a:t>Rekomendasi</a:t>
+            </a:r>
+            <a:r>
+              <a:rPr lang="en-ID" sz="1200" b="1" dirty="0"/>
+              <a:t> </a:t>
+            </a:r>
+            <a:r>
+              <a:rPr lang="en-ID" sz="1200" b="1" dirty="0" err="1"/>
+              <a:t>tambahan</a:t>
+            </a:r>
+            <a:r>
+              <a:rPr lang="en-ID" sz="1200" b="1" dirty="0"/>
+              <a:t>:</a:t>
+            </a:r>
+            <a:r>
+              <a:rPr lang="en-ID" sz="1200" dirty="0"/>
+              <a:t> Perusahaan </a:t>
+            </a:r>
+            <a:r>
+              <a:rPr lang="en-ID" sz="1200" dirty="0" err="1"/>
+              <a:t>dapat</a:t>
+            </a:r>
+            <a:r>
+              <a:rPr lang="en-ID" sz="1200" dirty="0"/>
+              <a:t> </a:t>
+            </a:r>
+            <a:r>
+              <a:rPr lang="en-ID" sz="1200" dirty="0" err="1"/>
+              <a:t>melakukan</a:t>
+            </a:r>
+            <a:r>
+              <a:rPr lang="en-ID" sz="1200" dirty="0"/>
+              <a:t> </a:t>
+            </a:r>
+            <a:r>
+              <a:rPr lang="en-ID" sz="1200" dirty="0" err="1"/>
+              <a:t>analisis</a:t>
+            </a:r>
+            <a:r>
+              <a:rPr lang="en-ID" sz="1200" dirty="0"/>
+              <a:t> </a:t>
+            </a:r>
+            <a:r>
+              <a:rPr lang="en-ID" sz="1200" dirty="0" err="1"/>
+              <a:t>demografi</a:t>
+            </a:r>
+            <a:r>
+              <a:rPr lang="en-ID" sz="1200" dirty="0"/>
+              <a:t> dan </a:t>
+            </a:r>
+            <a:r>
+              <a:rPr lang="en-ID" sz="1200" dirty="0" err="1"/>
+              <a:t>perilaku</a:t>
+            </a:r>
+            <a:r>
+              <a:rPr lang="en-ID" sz="1200" dirty="0"/>
+              <a:t> </a:t>
+            </a:r>
+            <a:r>
+              <a:rPr lang="en-ID" sz="1200" dirty="0" err="1"/>
+              <a:t>pelanggan</a:t>
+            </a:r>
+            <a:r>
+              <a:rPr lang="en-ID" sz="1200" dirty="0"/>
+              <a:t> di </a:t>
+            </a:r>
+            <a:r>
+              <a:rPr lang="en-ID" sz="1200" dirty="0" err="1"/>
+              <a:t>kota-kota</a:t>
+            </a:r>
+            <a:r>
+              <a:rPr lang="en-ID" sz="1200" dirty="0"/>
+              <a:t> yang </a:t>
+            </a:r>
+            <a:r>
+              <a:rPr lang="en-ID" sz="1200" dirty="0" err="1"/>
+              <a:t>penjualannya</a:t>
+            </a:r>
+            <a:r>
+              <a:rPr lang="en-ID" sz="1200" dirty="0"/>
+              <a:t> </a:t>
+            </a:r>
+            <a:r>
+              <a:rPr lang="en-ID" sz="1200" dirty="0" err="1"/>
+              <a:t>rendah</a:t>
+            </a:r>
+            <a:r>
+              <a:rPr lang="en-ID" sz="1200" dirty="0"/>
+              <a:t> </a:t>
+            </a:r>
+            <a:r>
+              <a:rPr lang="en-ID" sz="1200" dirty="0" err="1"/>
+              <a:t>untuk</a:t>
+            </a:r>
+            <a:r>
+              <a:rPr lang="en-ID" sz="1200" dirty="0"/>
+              <a:t> </a:t>
+            </a:r>
+            <a:r>
+              <a:rPr lang="en-ID" sz="1200" dirty="0" err="1"/>
+              <a:t>menemukan</a:t>
+            </a:r>
+            <a:r>
+              <a:rPr lang="en-ID" sz="1200" dirty="0"/>
+              <a:t> </a:t>
+            </a:r>
+            <a:r>
+              <a:rPr lang="en-ID" sz="1200" dirty="0" err="1"/>
+              <a:t>potensi</a:t>
+            </a:r>
+            <a:r>
+              <a:rPr lang="en-ID" sz="1200" dirty="0"/>
+              <a:t> pasar </a:t>
+            </a:r>
+            <a:r>
+              <a:rPr lang="en-ID" sz="1200" dirty="0" err="1"/>
+              <a:t>baru</a:t>
+            </a:r>
+            <a:r>
+              <a:rPr lang="en-ID" sz="1200" dirty="0"/>
+              <a:t>. Selain </a:t>
+            </a:r>
+            <a:r>
+              <a:rPr lang="en-ID" sz="1200" dirty="0" err="1"/>
+              <a:t>itu</a:t>
+            </a:r>
+            <a:r>
+              <a:rPr lang="en-ID" sz="1200" dirty="0"/>
+              <a:t>, strategi </a:t>
+            </a:r>
+            <a:r>
+              <a:rPr lang="en-ID" sz="1200" dirty="0" err="1"/>
+              <a:t>promosi</a:t>
+            </a:r>
+            <a:r>
+              <a:rPr lang="en-ID" sz="1200" dirty="0"/>
+              <a:t> </a:t>
+            </a:r>
+            <a:r>
+              <a:rPr lang="en-ID" sz="1200" dirty="0" err="1"/>
+              <a:t>berbasis</a:t>
+            </a:r>
+            <a:r>
+              <a:rPr lang="en-ID" sz="1200" dirty="0"/>
+              <a:t> </a:t>
+            </a:r>
+            <a:r>
+              <a:rPr lang="en-ID" sz="1200" dirty="0" err="1"/>
+              <a:t>lokasi</a:t>
+            </a:r>
+            <a:r>
+              <a:rPr lang="en-ID" sz="1200" dirty="0"/>
+              <a:t> (location-based marketing) dan </a:t>
+            </a:r>
+            <a:r>
+              <a:rPr lang="en-ID" sz="1200" dirty="0" err="1"/>
+              <a:t>kampanye</a:t>
+            </a:r>
+            <a:r>
+              <a:rPr lang="en-ID" sz="1200" dirty="0"/>
+              <a:t> digital yang </a:t>
+            </a:r>
+            <a:r>
+              <a:rPr lang="en-ID" sz="1200" dirty="0" err="1"/>
+              <a:t>ditargetkan</a:t>
+            </a:r>
+            <a:r>
+              <a:rPr lang="en-ID" sz="1200" dirty="0"/>
+              <a:t> </a:t>
+            </a:r>
+            <a:r>
+              <a:rPr lang="en-ID" sz="1200" dirty="0" err="1"/>
+              <a:t>dapat</a:t>
+            </a:r>
+            <a:r>
+              <a:rPr lang="en-ID" sz="1200" dirty="0"/>
+              <a:t> </a:t>
+            </a:r>
+            <a:r>
+              <a:rPr lang="en-ID" sz="1200" dirty="0" err="1"/>
+              <a:t>membantu</a:t>
+            </a:r>
+            <a:r>
+              <a:rPr lang="en-ID" sz="1200" dirty="0"/>
+              <a:t> </a:t>
+            </a:r>
+            <a:r>
+              <a:rPr lang="en-ID" sz="1200" dirty="0" err="1"/>
+              <a:t>memperluas</a:t>
+            </a:r>
+            <a:r>
+              <a:rPr lang="en-ID" sz="1200" dirty="0"/>
+              <a:t> </a:t>
+            </a:r>
+            <a:r>
+              <a:rPr lang="en-ID" sz="1200" dirty="0" err="1"/>
+              <a:t>jangkauan</a:t>
+            </a:r>
+            <a:r>
+              <a:rPr lang="en-ID" sz="1200" dirty="0"/>
+              <a:t> pasar.</a:t>
             </a:r>
           </a:p>
           <a:p>
@@ -10265,329 +9993,194 @@
               <a:buAutoNum type="arabicPeriod"/>
             </a:pPr>
             <a:r>
-              <a:rPr lang="en-US" sz="1200" dirty="0">
-                <a:solidFill>
-                  <a:schemeClr val="dk1"/>
-                </a:solidFill>
-                <a:latin typeface="+mj-lt"/>
-                <a:ea typeface="Rubik"/>
-                <a:cs typeface="Rubik"/>
-                <a:sym typeface="Rubik"/>
-              </a:rPr>
+              <a:rPr lang="en-ID" sz="1200" dirty="0"/>
               <a:t>Harga </a:t>
             </a:r>
             <a:r>
-              <a:rPr lang="en-US" sz="1200" dirty="0" err="1">
-                <a:solidFill>
-                  <a:schemeClr val="dk1"/>
-                </a:solidFill>
-                <a:latin typeface="+mj-lt"/>
-                <a:ea typeface="Rubik"/>
-                <a:cs typeface="Rubik"/>
-                <a:sym typeface="Rubik"/>
-              </a:rPr>
+              <a:rPr lang="en-ID" sz="1200" dirty="0" err="1"/>
+              <a:t>beberapa</a:t>
+            </a:r>
+            <a:r>
+              <a:rPr lang="en-ID" sz="1200" dirty="0"/>
+              <a:t> </a:t>
+            </a:r>
+            <a:r>
+              <a:rPr lang="en-ID" sz="1200" dirty="0" err="1"/>
               <a:t>produk</a:t>
             </a:r>
             <a:r>
-              <a:rPr lang="en-US" sz="1200" dirty="0">
-                <a:solidFill>
-                  <a:schemeClr val="dk1"/>
-                </a:solidFill>
-                <a:latin typeface="+mj-lt"/>
-                <a:ea typeface="Rubik"/>
-                <a:cs typeface="Rubik"/>
-                <a:sym typeface="Rubik"/>
-              </a:rPr>
-              <a:t> </a:t>
-            </a:r>
-            <a:r>
-              <a:rPr lang="en-US" sz="1200" dirty="0" err="1">
-                <a:solidFill>
-                  <a:schemeClr val="dk1"/>
-                </a:solidFill>
-                <a:latin typeface="+mj-lt"/>
-                <a:ea typeface="Rubik"/>
-                <a:cs typeface="Rubik"/>
-                <a:sym typeface="Rubik"/>
-              </a:rPr>
-              <a:t>tertentu</a:t>
-            </a:r>
-            <a:r>
-              <a:rPr lang="en-US" sz="1200" dirty="0">
-                <a:solidFill>
-                  <a:schemeClr val="dk1"/>
-                </a:solidFill>
-                <a:latin typeface="+mj-lt"/>
-                <a:ea typeface="Rubik"/>
-                <a:cs typeface="Rubik"/>
-                <a:sym typeface="Rubik"/>
-              </a:rPr>
-              <a:t> </a:t>
-            </a:r>
-            <a:r>
-              <a:rPr lang="en-US" sz="1200" dirty="0" err="1">
-                <a:solidFill>
-                  <a:schemeClr val="dk1"/>
-                </a:solidFill>
-                <a:latin typeface="+mj-lt"/>
-                <a:ea typeface="Rubik"/>
-                <a:cs typeface="Rubik"/>
-                <a:sym typeface="Rubik"/>
-              </a:rPr>
+              <a:rPr lang="en-ID" sz="1200" dirty="0"/>
+              <a:t> </a:t>
+            </a:r>
+            <a:r>
+              <a:rPr lang="en-ID" sz="1200" dirty="0" err="1"/>
               <a:t>terlihat</a:t>
             </a:r>
             <a:r>
-              <a:rPr lang="en-US" sz="1200" dirty="0">
-                <a:solidFill>
-                  <a:schemeClr val="dk1"/>
-                </a:solidFill>
-                <a:latin typeface="+mj-lt"/>
-                <a:ea typeface="Rubik"/>
-                <a:cs typeface="Rubik"/>
-                <a:sym typeface="Rubik"/>
-              </a:rPr>
-              <a:t> </a:t>
-            </a:r>
-            <a:r>
-              <a:rPr lang="en-US" sz="1200" dirty="0" err="1">
-                <a:solidFill>
-                  <a:schemeClr val="dk1"/>
-                </a:solidFill>
-                <a:latin typeface="+mj-lt"/>
-                <a:ea typeface="Rubik"/>
-                <a:cs typeface="Rubik"/>
-                <a:sym typeface="Rubik"/>
-              </a:rPr>
+              <a:rPr lang="en-ID" sz="1200" dirty="0"/>
+              <a:t> </a:t>
+            </a:r>
+            <a:r>
+              <a:rPr lang="en-ID" sz="1200" dirty="0" err="1"/>
               <a:t>kurang</a:t>
             </a:r>
             <a:r>
-              <a:rPr lang="en-US" sz="1200" dirty="0">
-                <a:solidFill>
-                  <a:schemeClr val="dk1"/>
-                </a:solidFill>
-                <a:latin typeface="+mj-lt"/>
-                <a:ea typeface="Rubik"/>
-                <a:cs typeface="Rubik"/>
-                <a:sym typeface="Rubik"/>
-              </a:rPr>
+              <a:rPr lang="en-ID" sz="1200" dirty="0"/>
               <a:t> optimal, </a:t>
             </a:r>
             <a:r>
-              <a:rPr lang="en-US" sz="1200" dirty="0" err="1">
-                <a:solidFill>
-                  <a:schemeClr val="dk1"/>
-                </a:solidFill>
-                <a:latin typeface="+mj-lt"/>
-                <a:ea typeface="Rubik"/>
-                <a:cs typeface="Rubik"/>
-                <a:sym typeface="Rubik"/>
-              </a:rPr>
+              <a:rPr lang="en-ID" sz="1200" dirty="0" err="1"/>
               <a:t>terutama</a:t>
             </a:r>
             <a:r>
-              <a:rPr lang="en-US" sz="1200" dirty="0">
-                <a:solidFill>
-                  <a:schemeClr val="dk1"/>
-                </a:solidFill>
-                <a:latin typeface="+mj-lt"/>
-                <a:ea typeface="Rubik"/>
-                <a:cs typeface="Rubik"/>
-                <a:sym typeface="Rubik"/>
-              </a:rPr>
-              <a:t> </a:t>
-            </a:r>
-            <a:r>
-              <a:rPr lang="en-US" sz="1200" dirty="0" err="1">
-                <a:solidFill>
-                  <a:schemeClr val="dk1"/>
-                </a:solidFill>
-                <a:latin typeface="+mj-lt"/>
-                <a:ea typeface="Rubik"/>
-                <a:cs typeface="Rubik"/>
-                <a:sym typeface="Rubik"/>
-              </a:rPr>
+              <a:rPr lang="en-ID" sz="1200" dirty="0"/>
+              <a:t> pada </a:t>
+            </a:r>
+            <a:r>
+              <a:rPr lang="en-ID" sz="1200" dirty="0" err="1"/>
+              <a:t>kategori</a:t>
+            </a:r>
+            <a:r>
+              <a:rPr lang="en-ID" sz="1200" dirty="0"/>
+              <a:t> </a:t>
+            </a:r>
+            <a:r>
+              <a:rPr lang="en-ID" sz="1200" dirty="0" err="1"/>
+              <a:t>harga</a:t>
+            </a:r>
+            <a:r>
+              <a:rPr lang="en-ID" sz="1200" dirty="0"/>
+              <a:t> </a:t>
+            </a:r>
+            <a:r>
+              <a:rPr lang="en-ID" sz="1200" dirty="0" err="1"/>
+              <a:t>murah</a:t>
+            </a:r>
+            <a:r>
+              <a:rPr lang="en-ID" sz="1200" dirty="0"/>
+              <a:t> </a:t>
+            </a:r>
+            <a:r>
+              <a:rPr lang="en-ID" sz="1200" dirty="0" err="1"/>
+              <a:t>dengan</a:t>
+            </a:r>
+            <a:r>
+              <a:rPr lang="en-ID" sz="1200" dirty="0"/>
+              <a:t> volume </a:t>
+            </a:r>
+            <a:r>
+              <a:rPr lang="en-ID" sz="1200" dirty="0" err="1"/>
+              <a:t>tinggi</a:t>
+            </a:r>
+            <a:r>
+              <a:rPr lang="en-ID" sz="1200" dirty="0"/>
+              <a:t> </a:t>
+            </a:r>
+            <a:r>
+              <a:rPr lang="en-ID" sz="1200" dirty="0" err="1"/>
+              <a:t>tetapi</a:t>
+            </a:r>
+            <a:r>
+              <a:rPr lang="en-ID" sz="1200" dirty="0"/>
+              <a:t> revenue </a:t>
+            </a:r>
+            <a:r>
+              <a:rPr lang="en-ID" sz="1200" dirty="0" err="1"/>
+              <a:t>kecil</a:t>
+            </a:r>
+            <a:r>
+              <a:rPr lang="en-ID" sz="1200" dirty="0"/>
+              <a:t>. Strategi </a:t>
+            </a:r>
+            <a:r>
+              <a:rPr lang="en-ID" sz="1200" dirty="0" err="1"/>
+              <a:t>penyesuaian</a:t>
+            </a:r>
+            <a:r>
+              <a:rPr lang="en-ID" sz="1200" dirty="0"/>
+              <a:t> </a:t>
+            </a:r>
+            <a:r>
+              <a:rPr lang="en-ID" sz="1200" dirty="0" err="1"/>
+              <a:t>harga</a:t>
+            </a:r>
+            <a:r>
+              <a:rPr lang="en-ID" sz="1200" dirty="0"/>
+              <a:t> </a:t>
+            </a:r>
+            <a:r>
+              <a:rPr lang="en-ID" sz="1200" dirty="0" err="1"/>
+              <a:t>atau</a:t>
+            </a:r>
+            <a:r>
+              <a:rPr lang="en-ID" sz="1200" dirty="0"/>
+              <a:t> </a:t>
+            </a:r>
+            <a:r>
+              <a:rPr lang="en-ID" sz="1200" dirty="0" err="1"/>
+              <a:t>paket</a:t>
+            </a:r>
+            <a:r>
+              <a:rPr lang="en-ID" sz="1200" dirty="0"/>
+              <a:t> bundling </a:t>
+            </a:r>
+            <a:r>
+              <a:rPr lang="en-ID" sz="1200" dirty="0" err="1"/>
+              <a:t>dapat</a:t>
+            </a:r>
+            <a:r>
+              <a:rPr lang="en-ID" sz="1200" dirty="0"/>
+              <a:t> </a:t>
+            </a:r>
+            <a:r>
+              <a:rPr lang="en-ID" sz="1200" dirty="0" err="1"/>
+              <a:t>digunakan</a:t>
+            </a:r>
+            <a:r>
+              <a:rPr lang="en-ID" sz="1200" dirty="0"/>
+              <a:t> </a:t>
+            </a:r>
+            <a:r>
+              <a:rPr lang="en-ID" sz="1200" dirty="0" err="1"/>
               <a:t>untuk</a:t>
             </a:r>
             <a:r>
-              <a:rPr lang="en-US" sz="1200" dirty="0">
-                <a:solidFill>
-                  <a:schemeClr val="dk1"/>
-                </a:solidFill>
-                <a:latin typeface="+mj-lt"/>
-                <a:ea typeface="Rubik"/>
-                <a:cs typeface="Rubik"/>
-                <a:sym typeface="Rubik"/>
-              </a:rPr>
-              <a:t> </a:t>
-            </a:r>
-            <a:r>
-              <a:rPr lang="en-US" sz="1200" dirty="0" err="1">
-                <a:solidFill>
-                  <a:schemeClr val="dk1"/>
-                </a:solidFill>
-                <a:latin typeface="+mj-lt"/>
-                <a:ea typeface="Rubik"/>
-                <a:cs typeface="Rubik"/>
-                <a:sym typeface="Rubik"/>
-              </a:rPr>
-              <a:t>kategori</a:t>
-            </a:r>
-            <a:r>
-              <a:rPr lang="en-US" sz="1200" dirty="0">
-                <a:solidFill>
-                  <a:schemeClr val="dk1"/>
-                </a:solidFill>
-                <a:latin typeface="+mj-lt"/>
-                <a:ea typeface="Rubik"/>
-                <a:cs typeface="Rubik"/>
-                <a:sym typeface="Rubik"/>
-              </a:rPr>
-              <a:t> </a:t>
-            </a:r>
-            <a:r>
-              <a:rPr lang="en-US" sz="1200" dirty="0" err="1">
-                <a:solidFill>
-                  <a:schemeClr val="dk1"/>
-                </a:solidFill>
-                <a:latin typeface="+mj-lt"/>
-                <a:ea typeface="Rubik"/>
-                <a:cs typeface="Rubik"/>
-                <a:sym typeface="Rubik"/>
-              </a:rPr>
-              <a:t>murah</a:t>
-            </a:r>
-            <a:r>
-              <a:rPr lang="en-US" sz="1200" dirty="0">
-                <a:solidFill>
-                  <a:schemeClr val="dk1"/>
-                </a:solidFill>
-                <a:latin typeface="+mj-lt"/>
-                <a:ea typeface="Rubik"/>
-                <a:cs typeface="Rubik"/>
-                <a:sym typeface="Rubik"/>
-              </a:rPr>
-              <a:t> yang volume </a:t>
-            </a:r>
-            <a:r>
-              <a:rPr lang="en-US" sz="1200" dirty="0" err="1">
-                <a:solidFill>
-                  <a:schemeClr val="dk1"/>
-                </a:solidFill>
-                <a:latin typeface="+mj-lt"/>
-                <a:ea typeface="Rubik"/>
-                <a:cs typeface="Rubik"/>
-                <a:sym typeface="Rubik"/>
-              </a:rPr>
-              <a:t>penjualannya</a:t>
-            </a:r>
-            <a:r>
-              <a:rPr lang="en-US" sz="1200" dirty="0">
-                <a:solidFill>
-                  <a:schemeClr val="dk1"/>
-                </a:solidFill>
-                <a:latin typeface="+mj-lt"/>
-                <a:ea typeface="Rubik"/>
-                <a:cs typeface="Rubik"/>
-                <a:sym typeface="Rubik"/>
-              </a:rPr>
-              <a:t> </a:t>
-            </a:r>
-            <a:r>
-              <a:rPr lang="en-US" sz="1200" dirty="0" err="1">
-                <a:solidFill>
-                  <a:schemeClr val="dk1"/>
-                </a:solidFill>
-                <a:latin typeface="+mj-lt"/>
-                <a:ea typeface="Rubik"/>
-                <a:cs typeface="Rubik"/>
-                <a:sym typeface="Rubik"/>
-              </a:rPr>
-              <a:t>tinggi</a:t>
-            </a:r>
-            <a:r>
-              <a:rPr lang="en-US" sz="1200" dirty="0">
-                <a:solidFill>
-                  <a:schemeClr val="dk1"/>
-                </a:solidFill>
-                <a:latin typeface="+mj-lt"/>
-                <a:ea typeface="Rubik"/>
-                <a:cs typeface="Rubik"/>
-                <a:sym typeface="Rubik"/>
-              </a:rPr>
-              <a:t> </a:t>
-            </a:r>
-            <a:r>
-              <a:rPr lang="en-US" sz="1200" dirty="0" err="1">
-                <a:solidFill>
-                  <a:schemeClr val="dk1"/>
-                </a:solidFill>
-                <a:latin typeface="+mj-lt"/>
-                <a:ea typeface="Rubik"/>
-                <a:cs typeface="Rubik"/>
-                <a:sym typeface="Rubik"/>
-              </a:rPr>
-              <a:t>tapi</a:t>
-            </a:r>
-            <a:r>
-              <a:rPr lang="en-US" sz="1200" dirty="0">
-                <a:solidFill>
-                  <a:schemeClr val="dk1"/>
-                </a:solidFill>
-                <a:latin typeface="+mj-lt"/>
-                <a:ea typeface="Rubik"/>
-                <a:cs typeface="Rubik"/>
-                <a:sym typeface="Rubik"/>
-              </a:rPr>
-              <a:t> </a:t>
-            </a:r>
-            <a:r>
-              <a:rPr lang="en-US" sz="1200" dirty="0" err="1">
-                <a:solidFill>
-                  <a:schemeClr val="dk1"/>
-                </a:solidFill>
-                <a:latin typeface="+mj-lt"/>
-                <a:ea typeface="Rubik"/>
-                <a:cs typeface="Rubik"/>
-                <a:sym typeface="Rubik"/>
-              </a:rPr>
-              <a:t>pendapatannya</a:t>
-            </a:r>
-            <a:r>
-              <a:rPr lang="en-US" sz="1200" dirty="0">
-                <a:solidFill>
-                  <a:schemeClr val="dk1"/>
-                </a:solidFill>
-                <a:latin typeface="+mj-lt"/>
-                <a:ea typeface="Rubik"/>
-                <a:cs typeface="Rubik"/>
-                <a:sym typeface="Rubik"/>
-              </a:rPr>
-              <a:t> </a:t>
-            </a:r>
-            <a:r>
-              <a:rPr lang="en-US" sz="1200" dirty="0" err="1">
-                <a:solidFill>
-                  <a:schemeClr val="dk1"/>
-                </a:solidFill>
-                <a:latin typeface="+mj-lt"/>
-                <a:ea typeface="Rubik"/>
-                <a:cs typeface="Rubik"/>
-                <a:sym typeface="Rubik"/>
-              </a:rPr>
-              <a:t>kecil</a:t>
-            </a:r>
-            <a:r>
-              <a:rPr lang="en-US" sz="1200" dirty="0">
-                <a:solidFill>
-                  <a:schemeClr val="dk1"/>
-                </a:solidFill>
-                <a:latin typeface="+mj-lt"/>
-                <a:ea typeface="Rubik"/>
-                <a:cs typeface="Rubik"/>
-                <a:sym typeface="Rubik"/>
-              </a:rPr>
+              <a:rPr lang="en-ID" sz="1200" dirty="0"/>
+              <a:t> </a:t>
+            </a:r>
+            <a:r>
+              <a:rPr lang="en-ID" sz="1200" dirty="0" err="1"/>
+              <a:t>meningkatkan</a:t>
+            </a:r>
+            <a:r>
+              <a:rPr lang="en-ID" sz="1200" dirty="0"/>
+              <a:t> </a:t>
+            </a:r>
+            <a:r>
+              <a:rPr lang="en-ID" sz="1200" dirty="0" err="1"/>
+              <a:t>nilai</a:t>
+            </a:r>
+            <a:r>
+              <a:rPr lang="en-ID" sz="1200" dirty="0"/>
+              <a:t> </a:t>
+            </a:r>
+            <a:r>
+              <a:rPr lang="en-ID" sz="1200" dirty="0" err="1"/>
+              <a:t>penjualan</a:t>
+            </a:r>
+            <a:r>
+              <a:rPr lang="en-ID" sz="1200" dirty="0"/>
               <a:t>.</a:t>
             </a:r>
+            <a:endParaRPr lang="en-US" sz="1200" dirty="0">
+              <a:solidFill>
+                <a:schemeClr val="dk1"/>
+              </a:solidFill>
+              <a:latin typeface="+mj-lt"/>
+              <a:ea typeface="Rubik"/>
+              <a:cs typeface="Rubik"/>
+              <a:sym typeface="Rubik"/>
+            </a:endParaRPr>
           </a:p>
         </p:txBody>
       </p:sp>

--- a/FinalTask_BankMuamalat_BI Analyst_Disya Nurul Ariza.pptx
+++ b/FinalTask_BankMuamalat_BI Analyst_Disya Nurul Ariza.pptx
@@ -12650,12 +12650,28 @@
               <a:buSzPts val="2000"/>
             </a:pPr>
             <a:r>
-              <a:rPr lang="en-ID" sz="2000" dirty="0"/>
-              <a:t>Data Scientist Intern</a:t>
+              <a:rPr lang="en" sz="2000" dirty="0">
+                <a:solidFill>
+                  <a:schemeClr val="tx1"/>
+                </a:solidFill>
+                <a:latin typeface="Rubik SemiBold"/>
+                <a:ea typeface="Rubik SemiBold"/>
+                <a:cs typeface="Rubik SemiBold"/>
+                <a:sym typeface="Rubik SemiBold"/>
+              </a:rPr>
+              <a:t>Business Intelligence </a:t>
+            </a:r>
+            <a:r>
+              <a:rPr lang="en-ID" sz="2000" dirty="0">
+                <a:solidFill>
+                  <a:schemeClr val="tx1"/>
+                </a:solidFill>
+              </a:rPr>
+              <a:t>Intern</a:t>
             </a:r>
             <a:endParaRPr sz="2000" b="0" i="0" u="none" strike="noStrike" cap="none" dirty="0">
               <a:solidFill>
-                <a:srgbClr val="019FAB"/>
+                <a:schemeClr val="tx1"/>
               </a:solidFill>
               <a:latin typeface="Rubik SemiBold"/>
               <a:ea typeface="Rubik SemiBold"/>
